--- a/presentations/5_22 Work Review.pptx
+++ b/presentations/5_22 Work Review.pptx
@@ -5,14 +5,18 @@
     <p:sldMasterId id="2147483648" r:id="rId1"/>
   </p:sldMasterIdLst>
   <p:notesMasterIdLst>
-    <p:notesMasterId r:id="rId7"/>
+    <p:notesMasterId r:id="rId11"/>
   </p:notesMasterIdLst>
   <p:sldIdLst>
     <p:sldId id="256" r:id="rId2"/>
     <p:sldId id="257" r:id="rId3"/>
     <p:sldId id="258" r:id="rId4"/>
     <p:sldId id="259" r:id="rId5"/>
-    <p:sldId id="260" r:id="rId6"/>
+    <p:sldId id="261" r:id="rId6"/>
+    <p:sldId id="262" r:id="rId7"/>
+    <p:sldId id="263" r:id="rId8"/>
+    <p:sldId id="264" r:id="rId9"/>
+    <p:sldId id="266" r:id="rId10"/>
   </p:sldIdLst>
   <p:sldSz cx="12192000" cy="6858000"/>
   <p:notesSz cx="6858000" cy="9144000"/>
@@ -111,6 +115,11 @@
       </a:defRPr>
     </a:lvl9pPr>
   </p:defaultTextStyle>
+  <p:extLst>
+    <p:ext uri="{EFAFB233-063F-42B5-8137-9DF3F51BA10A}">
+      <p15:sldGuideLst xmlns:p15="http://schemas.microsoft.com/office/powerpoint/2012/main"/>
+    </p:ext>
+  </p:extLst>
 </p:presentation>
 </file>
 
@@ -196,7 +205,7 @@
           <a:p>
             <a:fld id="{0559C27C-68DA-482C-8095-6807EDB68A80}" type="datetimeFigureOut">
               <a:rPr lang="en-US" smtClean="0"/>
-              <a:t>5/22/2022</a:t>
+              <a:t>5/25/2022</a:t>
             </a:fld>
             <a:endParaRPr lang="en-US"/>
           </a:p>
@@ -610,7 +619,7 @@
           <a:p>
             <a:fld id="{CC7E0B8B-3DEC-4BBD-B5CE-59E73329491D}" type="datetime1">
               <a:rPr lang="en-US" smtClean="0"/>
-              <a:t>5/22/2022</a:t>
+              <a:t>5/25/2022</a:t>
             </a:fld>
             <a:endParaRPr lang="en-US"/>
           </a:p>
@@ -808,7 +817,7 @@
           <a:p>
             <a:fld id="{FD763A9B-8ABD-4EFE-8267-A778C53CD20A}" type="datetime1">
               <a:rPr lang="en-US" smtClean="0"/>
-              <a:t>5/22/2022</a:t>
+              <a:t>5/25/2022</a:t>
             </a:fld>
             <a:endParaRPr lang="en-US"/>
           </a:p>
@@ -1016,7 +1025,7 @@
           <a:p>
             <a:fld id="{2929F413-4082-4FE7-94DA-6825DD59503C}" type="datetime1">
               <a:rPr lang="en-US" smtClean="0"/>
-              <a:t>5/22/2022</a:t>
+              <a:t>5/25/2022</a:t>
             </a:fld>
             <a:endParaRPr lang="en-US"/>
           </a:p>
@@ -1214,7 +1223,7 @@
           <a:p>
             <a:fld id="{C5E6BDB0-8AA3-4B52-91E4-33A06C1CF246}" type="datetime1">
               <a:rPr lang="en-US" smtClean="0"/>
-              <a:t>5/22/2022</a:t>
+              <a:t>5/25/2022</a:t>
             </a:fld>
             <a:endParaRPr lang="en-US"/>
           </a:p>
@@ -1489,7 +1498,7 @@
           <a:p>
             <a:fld id="{29CC9BF3-FAB0-46F0-9AF5-AC93F039C76E}" type="datetime1">
               <a:rPr lang="en-US" smtClean="0"/>
-              <a:t>5/22/2022</a:t>
+              <a:t>5/25/2022</a:t>
             </a:fld>
             <a:endParaRPr lang="en-US"/>
           </a:p>
@@ -1754,7 +1763,7 @@
           <a:p>
             <a:fld id="{779DDD31-5223-4BA5-8451-EF93D78C831C}" type="datetime1">
               <a:rPr lang="en-US" smtClean="0"/>
-              <a:t>5/22/2022</a:t>
+              <a:t>5/25/2022</a:t>
             </a:fld>
             <a:endParaRPr lang="en-US"/>
           </a:p>
@@ -2166,7 +2175,7 @@
           <a:p>
             <a:fld id="{030CC833-ED07-4674-A6B5-1A926257DD20}" type="datetime1">
               <a:rPr lang="en-US" smtClean="0"/>
-              <a:t>5/22/2022</a:t>
+              <a:t>5/25/2022</a:t>
             </a:fld>
             <a:endParaRPr lang="en-US"/>
           </a:p>
@@ -2307,7 +2316,7 @@
           <a:p>
             <a:fld id="{6BA196A0-9B26-4378-82EE-26955C761E36}" type="datetime1">
               <a:rPr lang="en-US" smtClean="0"/>
-              <a:t>5/22/2022</a:t>
+              <a:t>5/25/2022</a:t>
             </a:fld>
             <a:endParaRPr lang="en-US"/>
           </a:p>
@@ -2420,7 +2429,7 @@
           <a:p>
             <a:fld id="{A0E38187-A124-4BA9-B3A0-DCBB5F0916F5}" type="datetime1">
               <a:rPr lang="en-US" smtClean="0"/>
-              <a:t>5/22/2022</a:t>
+              <a:t>5/25/2022</a:t>
             </a:fld>
             <a:endParaRPr lang="en-US"/>
           </a:p>
@@ -2731,7 +2740,7 @@
           <a:p>
             <a:fld id="{DB708A08-DC24-46D1-9648-85910118511B}" type="datetime1">
               <a:rPr lang="en-US" smtClean="0"/>
-              <a:t>5/22/2022</a:t>
+              <a:t>5/25/2022</a:t>
             </a:fld>
             <a:endParaRPr lang="en-US"/>
           </a:p>
@@ -3019,7 +3028,7 @@
           <a:p>
             <a:fld id="{5C81DCEF-A9B7-4AC6-9864-AC37A1D33250}" type="datetime1">
               <a:rPr lang="en-US" smtClean="0"/>
-              <a:t>5/22/2022</a:t>
+              <a:t>5/25/2022</a:t>
             </a:fld>
             <a:endParaRPr lang="en-US"/>
           </a:p>
@@ -3260,7 +3269,7 @@
           <a:p>
             <a:fld id="{57B38545-CF36-4716-AA42-CCF95B543568}" type="datetime1">
               <a:rPr lang="en-US" smtClean="0"/>
-              <a:t>5/22/2022</a:t>
+              <a:t>5/25/2022</a:t>
             </a:fld>
             <a:endParaRPr lang="en-US"/>
           </a:p>
@@ -4086,31 +4095,6 @@
       </p:grpSpPr>
       <p:sp>
         <p:nvSpPr>
-          <p:cNvPr id="2" name="Title 1">
-            <a:extLst>
-              <a:ext uri="{FF2B5EF4-FFF2-40B4-BE49-F238E27FC236}">
-                <a16:creationId xmlns:a16="http://schemas.microsoft.com/office/drawing/2014/main" id="{9C463B6F-AF6F-1EE6-8984-9D47DBE1A24D}"/>
-              </a:ext>
-            </a:extLst>
-          </p:cNvPr>
-          <p:cNvSpPr>
-            <a:spLocks noGrp="1"/>
-          </p:cNvSpPr>
-          <p:nvPr>
-            <p:ph type="title"/>
-          </p:nvPr>
-        </p:nvSpPr>
-        <p:spPr/>
-        <p:txBody>
-          <a:bodyPr/>
-          <a:lstStyle/>
-          <a:p>
-            <a:endParaRPr lang="en-US" dirty="0"/>
-          </a:p>
-        </p:txBody>
-      </p:sp>
-      <p:sp>
-        <p:nvSpPr>
           <p:cNvPr id="3" name="Content Placeholder 2">
             <a:extLst>
               <a:ext uri="{FF2B5EF4-FFF2-40B4-BE49-F238E27FC236}">
@@ -4165,10 +4149,10 @@
       </p:sp>
       <p:pic>
         <p:nvPicPr>
-          <p:cNvPr id="10" name="Picture 9">
-            <a:extLst>
-              <a:ext uri="{FF2B5EF4-FFF2-40B4-BE49-F238E27FC236}">
-                <a16:creationId xmlns:a16="http://schemas.microsoft.com/office/drawing/2014/main" id="{C77E2485-FAF4-0822-70CC-C67FF6D5942E}"/>
+          <p:cNvPr id="5" name="Picture 4">
+            <a:extLst>
+              <a:ext uri="{FF2B5EF4-FFF2-40B4-BE49-F238E27FC236}">
+                <a16:creationId xmlns:a16="http://schemas.microsoft.com/office/drawing/2014/main" id="{BC2EC817-7E5F-0A69-916E-F2B473D2AF5E}"/>
               </a:ext>
             </a:extLst>
           </p:cNvPr>
@@ -4177,15 +4161,16 @@
           </p:cNvPicPr>
           <p:nvPr/>
         </p:nvPicPr>
-        <p:blipFill rotWithShape="1">
+        <p:blipFill>
           <a:blip r:embed="rId2"/>
-          <a:srcRect b="1444"/>
-          <a:stretch/>
+          <a:stretch>
+            <a:fillRect/>
+          </a:stretch>
         </p:blipFill>
         <p:spPr>
           <a:xfrm>
-            <a:off x="0" y="916459"/>
-            <a:ext cx="12192000" cy="4952496"/>
+            <a:off x="0" y="878852"/>
+            <a:ext cx="12192000" cy="5100296"/>
           </a:xfrm>
           <a:prstGeom prst="rect">
             <a:avLst/>
@@ -4730,13 +4715,13 @@
         </p:spPr>
         <p:txBody>
           <a:bodyPr>
-            <a:normAutofit/>
+            <a:normAutofit fontScale="90000"/>
           </a:bodyPr>
           <a:lstStyle/>
           <a:p>
             <a:r>
               <a:rPr lang="en-US" dirty="0"/>
-              <a:t>Model requirement 2: decide operations of plants on hourly timescale</a:t>
+              <a:t>Model requirement 2: decide operations of plants on hourly timescale to meet production demands</a:t>
             </a:r>
           </a:p>
         </p:txBody>
@@ -4785,7 +4770,7 @@
             <a:pPr lvl="1"/>
             <a:r>
               <a:rPr lang="en-US" dirty="0"/>
-              <a:t>No flow</a:t>
+              <a:t>Total charge</a:t>
             </a:r>
           </a:p>
           <a:p>
@@ -4819,7 +4804,7 @@
             <a:pPr lvl="1"/>
             <a:r>
               <a:rPr lang="en-US" dirty="0"/>
-              <a:t>Release</a:t>
+              <a:t>Deploy</a:t>
             </a:r>
           </a:p>
           <a:p>
@@ -4988,33 +4973,427 @@
           <a:chExt cx="0" cy="0"/>
         </a:xfrm>
       </p:grpSpPr>
-      <p:pic>
-        <p:nvPicPr>
-          <p:cNvPr id="12" name="Picture 11">
-            <a:extLst>
-              <a:ext uri="{FF2B5EF4-FFF2-40B4-BE49-F238E27FC236}">
-                <a16:creationId xmlns:a16="http://schemas.microsoft.com/office/drawing/2014/main" id="{24FCD8AF-2B90-B2E0-C6FB-AC9BEF20ED0D}"/>
-              </a:ext>
-            </a:extLst>
-          </p:cNvPr>
-          <p:cNvPicPr>
-            <a:picLocks noChangeAspect="1"/>
-          </p:cNvPicPr>
-          <p:nvPr/>
-        </p:nvPicPr>
-        <p:blipFill rotWithShape="1">
-          <a:blip r:embed="rId2"/>
-          <a:srcRect b="1444"/>
-          <a:stretch/>
-        </p:blipFill>
+      <p:sp useBgFill="1">
+        <p:nvSpPr>
+          <p:cNvPr id="10" name="Rectangle 9">
+            <a:extLst>
+              <a:ext uri="{FF2B5EF4-FFF2-40B4-BE49-F238E27FC236}">
+                <a16:creationId xmlns:a16="http://schemas.microsoft.com/office/drawing/2014/main" id="{665DBBEF-238B-476B-96AB-8AAC3224ECEA}"/>
+              </a:ext>
+              <a:ext uri="{C183D7F6-B498-43B3-948B-1728B52AA6E4}">
+                <adec:decorative xmlns:adec="http://schemas.microsoft.com/office/drawing/2017/decorative" val="1"/>
+              </a:ext>
+            </a:extLst>
+          </p:cNvPr>
+          <p:cNvSpPr>
+            <a:spLocks noGrp="1" noRot="1" noChangeAspect="1" noMove="1" noResize="1" noEditPoints="1" noAdjustHandles="1" noChangeArrowheads="1" noChangeShapeType="1" noTextEdit="1"/>
+          </p:cNvSpPr>
+          <p:nvPr>
+            <p:extLst>
+              <p:ext uri="{386F3935-93C4-4BCD-93E2-E3B085C9AB24}">
+                <p16:designElem xmlns:p16="http://schemas.microsoft.com/office/powerpoint/2015/main" val="1"/>
+              </p:ext>
+            </p:extLst>
+          </p:nvPr>
+        </p:nvSpPr>
         <p:spPr>
           <a:xfrm>
-            <a:off x="0" y="689114"/>
-            <a:ext cx="12191999" cy="4956578"/>
+            <a:off x="0" y="0"/>
+            <a:ext cx="12192000" cy="6858000"/>
           </a:xfrm>
           <a:prstGeom prst="rect">
             <a:avLst/>
           </a:prstGeom>
+          <a:ln>
+            <a:noFill/>
+          </a:ln>
+        </p:spPr>
+        <p:style>
+          <a:lnRef idx="2">
+            <a:schemeClr val="accent1">
+              <a:shade val="50000"/>
+            </a:schemeClr>
+          </a:lnRef>
+          <a:fillRef idx="1">
+            <a:schemeClr val="accent1"/>
+          </a:fillRef>
+          <a:effectRef idx="0">
+            <a:schemeClr val="accent1"/>
+          </a:effectRef>
+          <a:fontRef idx="minor">
+            <a:schemeClr val="lt1"/>
+          </a:fontRef>
+        </p:style>
+        <p:txBody>
+          <a:bodyPr rtlCol="0" anchor="ctr"/>
+          <a:lstStyle/>
+          <a:p>
+            <a:pPr algn="ctr"/>
+            <a:endParaRPr lang="en-US"/>
+          </a:p>
+        </p:txBody>
+      </p:sp>
+      <p:sp>
+        <p:nvSpPr>
+          <p:cNvPr id="2" name="Title 1">
+            <a:extLst>
+              <a:ext uri="{FF2B5EF4-FFF2-40B4-BE49-F238E27FC236}">
+                <a16:creationId xmlns:a16="http://schemas.microsoft.com/office/drawing/2014/main" id="{A770A278-1453-B300-4413-9868E8FD6C7E}"/>
+              </a:ext>
+            </a:extLst>
+          </p:cNvPr>
+          <p:cNvSpPr>
+            <a:spLocks noGrp="1"/>
+          </p:cNvSpPr>
+          <p:nvPr>
+            <p:ph type="title"/>
+          </p:nvPr>
+        </p:nvSpPr>
+        <p:spPr>
+          <a:xfrm>
+            <a:off x="638882" y="639193"/>
+            <a:ext cx="3571810" cy="3573516"/>
+          </a:xfrm>
+        </p:spPr>
+        <p:txBody>
+          <a:bodyPr vert="horz" lIns="91440" tIns="45720" rIns="91440" bIns="45720" rtlCol="0" anchor="b">
+            <a:normAutofit/>
+          </a:bodyPr>
+          <a:lstStyle/>
+          <a:p>
+            <a:r>
+              <a:rPr lang="en-US" sz="4600" kern="1200">
+                <a:solidFill>
+                  <a:schemeClr val="tx1"/>
+                </a:solidFill>
+                <a:latin typeface="+mj-lt"/>
+                <a:ea typeface="+mj-ea"/>
+                <a:cs typeface="+mj-cs"/>
+              </a:rPr>
+              <a:t>Dummy data run through of model: Energy Generation</a:t>
+            </a:r>
+          </a:p>
+        </p:txBody>
+      </p:sp>
+      <p:sp>
+        <p:nvSpPr>
+          <p:cNvPr id="12" name="sketch line">
+            <a:extLst>
+              <a:ext uri="{FF2B5EF4-FFF2-40B4-BE49-F238E27FC236}">
+                <a16:creationId xmlns:a16="http://schemas.microsoft.com/office/drawing/2014/main" id="{3FCFB1DE-0B7E-48CC-BA90-B2AB0889F9D6}"/>
+              </a:ext>
+              <a:ext uri="{C183D7F6-B498-43B3-948B-1728B52AA6E4}">
+                <adec:decorative xmlns:adec="http://schemas.microsoft.com/office/drawing/2017/decorative" val="1"/>
+              </a:ext>
+            </a:extLst>
+          </p:cNvPr>
+          <p:cNvSpPr>
+            <a:spLocks noGrp="1" noRot="1" noChangeAspect="1" noMove="1" noResize="1" noEditPoints="1" noAdjustHandles="1" noChangeArrowheads="1" noChangeShapeType="1" noTextEdit="1"/>
+          </p:cNvSpPr>
+          <p:nvPr>
+            <p:extLst>
+              <p:ext uri="{386F3935-93C4-4BCD-93E2-E3B085C9AB24}">
+                <p16:designElem xmlns:p16="http://schemas.microsoft.com/office/powerpoint/2015/main" val="1"/>
+              </p:ext>
+            </p:extLst>
+          </p:nvPr>
+        </p:nvSpPr>
+        <p:spPr>
+          <a:xfrm>
+            <a:off x="643278" y="4409267"/>
+            <a:ext cx="3255095" cy="18288"/>
+          </a:xfrm>
+          <a:custGeom>
+            <a:avLst/>
+            <a:gdLst>
+              <a:gd name="connsiteX0" fmla="*/ 0 w 3255095"/>
+              <a:gd name="connsiteY0" fmla="*/ 0 h 18288"/>
+              <a:gd name="connsiteX1" fmla="*/ 618468 w 3255095"/>
+              <a:gd name="connsiteY1" fmla="*/ 0 h 18288"/>
+              <a:gd name="connsiteX2" fmla="*/ 1269487 w 3255095"/>
+              <a:gd name="connsiteY2" fmla="*/ 0 h 18288"/>
+              <a:gd name="connsiteX3" fmla="*/ 1953057 w 3255095"/>
+              <a:gd name="connsiteY3" fmla="*/ 0 h 18288"/>
+              <a:gd name="connsiteX4" fmla="*/ 2636627 w 3255095"/>
+              <a:gd name="connsiteY4" fmla="*/ 0 h 18288"/>
+              <a:gd name="connsiteX5" fmla="*/ 3255095 w 3255095"/>
+              <a:gd name="connsiteY5" fmla="*/ 0 h 18288"/>
+              <a:gd name="connsiteX6" fmla="*/ 3255095 w 3255095"/>
+              <a:gd name="connsiteY6" fmla="*/ 18288 h 18288"/>
+              <a:gd name="connsiteX7" fmla="*/ 2538974 w 3255095"/>
+              <a:gd name="connsiteY7" fmla="*/ 18288 h 18288"/>
+              <a:gd name="connsiteX8" fmla="*/ 1822853 w 3255095"/>
+              <a:gd name="connsiteY8" fmla="*/ 18288 h 18288"/>
+              <a:gd name="connsiteX9" fmla="*/ 1171834 w 3255095"/>
+              <a:gd name="connsiteY9" fmla="*/ 18288 h 18288"/>
+              <a:gd name="connsiteX10" fmla="*/ 0 w 3255095"/>
+              <a:gd name="connsiteY10" fmla="*/ 18288 h 18288"/>
+              <a:gd name="connsiteX11" fmla="*/ 0 w 3255095"/>
+              <a:gd name="connsiteY11" fmla="*/ 0 h 18288"/>
+            </a:gdLst>
+            <a:ahLst/>
+            <a:cxnLst>
+              <a:cxn ang="0">
+                <a:pos x="connsiteX0" y="connsiteY0"/>
+              </a:cxn>
+              <a:cxn ang="0">
+                <a:pos x="connsiteX1" y="connsiteY1"/>
+              </a:cxn>
+              <a:cxn ang="0">
+                <a:pos x="connsiteX2" y="connsiteY2"/>
+              </a:cxn>
+              <a:cxn ang="0">
+                <a:pos x="connsiteX3" y="connsiteY3"/>
+              </a:cxn>
+              <a:cxn ang="0">
+                <a:pos x="connsiteX4" y="connsiteY4"/>
+              </a:cxn>
+              <a:cxn ang="0">
+                <a:pos x="connsiteX5" y="connsiteY5"/>
+              </a:cxn>
+              <a:cxn ang="0">
+                <a:pos x="connsiteX6" y="connsiteY6"/>
+              </a:cxn>
+              <a:cxn ang="0">
+                <a:pos x="connsiteX7" y="connsiteY7"/>
+              </a:cxn>
+              <a:cxn ang="0">
+                <a:pos x="connsiteX8" y="connsiteY8"/>
+              </a:cxn>
+              <a:cxn ang="0">
+                <a:pos x="connsiteX9" y="connsiteY9"/>
+              </a:cxn>
+              <a:cxn ang="0">
+                <a:pos x="connsiteX10" y="connsiteY10"/>
+              </a:cxn>
+              <a:cxn ang="0">
+                <a:pos x="connsiteX11" y="connsiteY11"/>
+              </a:cxn>
+            </a:cxnLst>
+            <a:rect l="l" t="t" r="r" b="b"/>
+            <a:pathLst>
+              <a:path w="3255095" h="18288" fill="none" extrusionOk="0">
+                <a:moveTo>
+                  <a:pt x="0" y="0"/>
+                </a:moveTo>
+                <a:cubicBezTo>
+                  <a:pt x="240201" y="-22123"/>
+                  <a:pt x="462021" y="-19623"/>
+                  <a:pt x="618468" y="0"/>
+                </a:cubicBezTo>
+                <a:cubicBezTo>
+                  <a:pt x="774915" y="19623"/>
+                  <a:pt x="974734" y="2035"/>
+                  <a:pt x="1269487" y="0"/>
+                </a:cubicBezTo>
+                <a:cubicBezTo>
+                  <a:pt x="1564240" y="-2035"/>
+                  <a:pt x="1733579" y="10639"/>
+                  <a:pt x="1953057" y="0"/>
+                </a:cubicBezTo>
+                <a:cubicBezTo>
+                  <a:pt x="2172535" y="-10639"/>
+                  <a:pt x="2453962" y="14018"/>
+                  <a:pt x="2636627" y="0"/>
+                </a:cubicBezTo>
+                <a:cubicBezTo>
+                  <a:pt x="2819292" y="-14018"/>
+                  <a:pt x="3121375" y="5399"/>
+                  <a:pt x="3255095" y="0"/>
+                </a:cubicBezTo>
+                <a:cubicBezTo>
+                  <a:pt x="3254386" y="8157"/>
+                  <a:pt x="3254682" y="12125"/>
+                  <a:pt x="3255095" y="18288"/>
+                </a:cubicBezTo>
+                <a:cubicBezTo>
+                  <a:pt x="3088545" y="23203"/>
+                  <a:pt x="2687475" y="7419"/>
+                  <a:pt x="2538974" y="18288"/>
+                </a:cubicBezTo>
+                <a:cubicBezTo>
+                  <a:pt x="2390473" y="29157"/>
+                  <a:pt x="2137381" y="-8959"/>
+                  <a:pt x="1822853" y="18288"/>
+                </a:cubicBezTo>
+                <a:cubicBezTo>
+                  <a:pt x="1508325" y="45535"/>
+                  <a:pt x="1466437" y="20385"/>
+                  <a:pt x="1171834" y="18288"/>
+                </a:cubicBezTo>
+                <a:cubicBezTo>
+                  <a:pt x="877231" y="16191"/>
+                  <a:pt x="561097" y="37643"/>
+                  <a:pt x="0" y="18288"/>
+                </a:cubicBezTo>
+                <a:cubicBezTo>
+                  <a:pt x="-46" y="12483"/>
+                  <a:pt x="-203" y="6491"/>
+                  <a:pt x="0" y="0"/>
+                </a:cubicBezTo>
+                <a:close/>
+              </a:path>
+              <a:path w="3255095" h="18288" stroke="0" extrusionOk="0">
+                <a:moveTo>
+                  <a:pt x="0" y="0"/>
+                </a:moveTo>
+                <a:cubicBezTo>
+                  <a:pt x="291965" y="19429"/>
+                  <a:pt x="363155" y="8568"/>
+                  <a:pt x="618468" y="0"/>
+                </a:cubicBezTo>
+                <a:cubicBezTo>
+                  <a:pt x="873781" y="-8568"/>
+                  <a:pt x="904459" y="-19505"/>
+                  <a:pt x="1171834" y="0"/>
+                </a:cubicBezTo>
+                <a:cubicBezTo>
+                  <a:pt x="1439209" y="19505"/>
+                  <a:pt x="1744369" y="9790"/>
+                  <a:pt x="1887955" y="0"/>
+                </a:cubicBezTo>
+                <a:cubicBezTo>
+                  <a:pt x="2031541" y="-9790"/>
+                  <a:pt x="2346378" y="21240"/>
+                  <a:pt x="2506423" y="0"/>
+                </a:cubicBezTo>
+                <a:cubicBezTo>
+                  <a:pt x="2666468" y="-21240"/>
+                  <a:pt x="2990257" y="30414"/>
+                  <a:pt x="3255095" y="0"/>
+                </a:cubicBezTo>
+                <a:cubicBezTo>
+                  <a:pt x="3254831" y="4493"/>
+                  <a:pt x="3255479" y="9472"/>
+                  <a:pt x="3255095" y="18288"/>
+                </a:cubicBezTo>
+                <a:cubicBezTo>
+                  <a:pt x="3120743" y="16690"/>
+                  <a:pt x="2759628" y="42462"/>
+                  <a:pt x="2604076" y="18288"/>
+                </a:cubicBezTo>
+                <a:cubicBezTo>
+                  <a:pt x="2448524" y="-5886"/>
+                  <a:pt x="2184336" y="19599"/>
+                  <a:pt x="1887955" y="18288"/>
+                </a:cubicBezTo>
+                <a:cubicBezTo>
+                  <a:pt x="1591574" y="16977"/>
+                  <a:pt x="1548845" y="6870"/>
+                  <a:pt x="1334589" y="18288"/>
+                </a:cubicBezTo>
+                <a:cubicBezTo>
+                  <a:pt x="1120333" y="29706"/>
+                  <a:pt x="996014" y="9662"/>
+                  <a:pt x="683570" y="18288"/>
+                </a:cubicBezTo>
+                <a:cubicBezTo>
+                  <a:pt x="371126" y="26914"/>
+                  <a:pt x="198687" y="16167"/>
+                  <a:pt x="0" y="18288"/>
+                </a:cubicBezTo>
+                <a:cubicBezTo>
+                  <a:pt x="843" y="9577"/>
+                  <a:pt x="371" y="6900"/>
+                  <a:pt x="0" y="0"/>
+                </a:cubicBezTo>
+                <a:close/>
+              </a:path>
+            </a:pathLst>
+          </a:custGeom>
+          <a:solidFill>
+            <a:schemeClr val="accent2"/>
+          </a:solidFill>
+          <a:ln w="38100" cap="rnd">
+            <a:solidFill>
+              <a:schemeClr val="accent2"/>
+            </a:solidFill>
+            <a:round/>
+            <a:extLst>
+              <a:ext uri="{C807C97D-BFC1-408E-A445-0C87EB9F89A2}">
+                <ask:lineSketchStyleProps xmlns:ask="http://schemas.microsoft.com/office/drawing/2018/sketchyshapes" sd="1219033472">
+                  <a:prstGeom prst="rect">
+                    <a:avLst/>
+                  </a:prstGeom>
+                  <ask:type>
+                    <ask:lineSketchFreehand/>
+                  </ask:type>
+                </ask:lineSketchStyleProps>
+              </a:ext>
+            </a:extLst>
+          </a:ln>
+        </p:spPr>
+        <p:style>
+          <a:lnRef idx="2">
+            <a:schemeClr val="accent1">
+              <a:shade val="50000"/>
+            </a:schemeClr>
+          </a:lnRef>
+          <a:fillRef idx="1">
+            <a:schemeClr val="accent1"/>
+          </a:fillRef>
+          <a:effectRef idx="0">
+            <a:schemeClr val="accent1"/>
+          </a:effectRef>
+          <a:fontRef idx="minor">
+            <a:schemeClr val="lt1"/>
+          </a:fontRef>
+        </p:style>
+        <p:txBody>
+          <a:bodyPr rtlCol="0" anchor="ctr"/>
+          <a:lstStyle/>
+          <a:p>
+            <a:pPr algn="ctr"/>
+            <a:endParaRPr lang="en-US"/>
+          </a:p>
+        </p:txBody>
+      </p:sp>
+      <p:pic>
+        <p:nvPicPr>
+          <p:cNvPr id="5" name="Picture 2">
+            <a:extLst>
+              <a:ext uri="{FF2B5EF4-FFF2-40B4-BE49-F238E27FC236}">
+                <a16:creationId xmlns:a16="http://schemas.microsoft.com/office/drawing/2014/main" id="{A8A77C43-6E65-46E0-7A5C-F0CE2DB1479A}"/>
+              </a:ext>
+            </a:extLst>
+          </p:cNvPr>
+          <p:cNvPicPr>
+            <a:picLocks noGrp="1" noChangeAspect="1" noChangeArrowheads="1"/>
+          </p:cNvPicPr>
+          <p:nvPr>
+            <p:ph idx="1"/>
+          </p:nvPr>
+        </p:nvPicPr>
+        <p:blipFill>
+          <a:blip r:embed="rId2">
+            <a:extLst>
+              <a:ext uri="{28A0092B-C50C-407E-A947-70E740481C1C}">
+                <a14:useLocalDpi xmlns:a14="http://schemas.microsoft.com/office/drawing/2010/main" val="0"/>
+              </a:ext>
+            </a:extLst>
+          </a:blip>
+          <a:stretch>
+            <a:fillRect/>
+          </a:stretch>
+        </p:blipFill>
+        <p:spPr bwMode="auto">
+          <a:xfrm>
+            <a:off x="4654296" y="980352"/>
+            <a:ext cx="7214616" cy="4869864"/>
+          </a:xfrm>
+          <a:prstGeom prst="rect">
+            <a:avLst/>
+          </a:prstGeom>
+          <a:noFill/>
+          <a:extLst>
+            <a:ext uri="{909E8E84-426E-40DD-AFC4-6F175D3DCCD1}">
+              <a14:hiddenFill xmlns:a14="http://schemas.microsoft.com/office/drawing/2010/main">
+                <a:solidFill>
+                  <a:srgbClr val="FFFFFF"/>
+                </a:solidFill>
+              </a14:hiddenFill>
+            </a:ext>
+          </a:extLst>
         </p:spPr>
       </p:pic>
       <p:sp>
@@ -5022,7 +5401,7 @@
           <p:cNvPr id="4" name="Slide Number Placeholder 3">
             <a:extLst>
               <a:ext uri="{FF2B5EF4-FFF2-40B4-BE49-F238E27FC236}">
-                <a16:creationId xmlns:a16="http://schemas.microsoft.com/office/drawing/2014/main" id="{F297B5A9-3F4F-8736-4298-D51AF54F3370}"/>
+                <a16:creationId xmlns:a16="http://schemas.microsoft.com/office/drawing/2014/main" id="{A976C953-6C3B-7437-982C-08C7B4D60C3A}"/>
               </a:ext>
             </a:extLst>
           </p:cNvPr>
@@ -5051,7 +5430,7 @@
               </a:spcAft>
             </a:pPr>
             <a:fld id="{EA503B31-CC2D-419F-B325-05543D31F82E}" type="slidenum">
-              <a:rPr lang="en-US"/>
+              <a:rPr lang="en-US" smtClean="0"/>
               <a:pPr>
                 <a:spcAft>
                   <a:spcPts val="600"/>
@@ -5066,7 +5445,2399 @@
     </p:spTree>
     <p:extLst>
       <p:ext uri="{BB962C8B-B14F-4D97-AF65-F5344CB8AC3E}">
-        <p14:creationId xmlns:p14="http://schemas.microsoft.com/office/powerpoint/2010/main" val="3074521502"/>
+        <p14:creationId xmlns:p14="http://schemas.microsoft.com/office/powerpoint/2010/main" val="2153164480"/>
+      </p:ext>
+    </p:extLst>
+  </p:cSld>
+  <p:clrMapOvr>
+    <a:masterClrMapping/>
+  </p:clrMapOvr>
+</p:sld>
+</file>
+
+<file path=ppt/slides/slide6.xml><?xml version="1.0" encoding="utf-8"?>
+<p:sld xmlns:a="http://schemas.openxmlformats.org/drawingml/2006/main" xmlns:r="http://schemas.openxmlformats.org/officeDocument/2006/relationships" xmlns:p="http://schemas.openxmlformats.org/presentationml/2006/main">
+  <p:cSld>
+    <p:bg>
+      <p:bgPr>
+        <a:solidFill>
+          <a:schemeClr val="bg1"/>
+        </a:solidFill>
+        <a:effectLst/>
+      </p:bgPr>
+    </p:bg>
+    <p:spTree>
+      <p:nvGrpSpPr>
+        <p:cNvPr id="1" name=""/>
+        <p:cNvGrpSpPr/>
+        <p:nvPr/>
+      </p:nvGrpSpPr>
+      <p:grpSpPr>
+        <a:xfrm>
+          <a:off x="0" y="0"/>
+          <a:ext cx="0" cy="0"/>
+          <a:chOff x="0" y="0"/>
+          <a:chExt cx="0" cy="0"/>
+        </a:xfrm>
+      </p:grpSpPr>
+      <p:sp useBgFill="1">
+        <p:nvSpPr>
+          <p:cNvPr id="71" name="Rectangle 70">
+            <a:extLst>
+              <a:ext uri="{FF2B5EF4-FFF2-40B4-BE49-F238E27FC236}">
+                <a16:creationId xmlns:a16="http://schemas.microsoft.com/office/drawing/2014/main" id="{665DBBEF-238B-476B-96AB-8AAC3224ECEA}"/>
+              </a:ext>
+              <a:ext uri="{C183D7F6-B498-43B3-948B-1728B52AA6E4}">
+                <adec:decorative xmlns:adec="http://schemas.microsoft.com/office/drawing/2017/decorative" val="1"/>
+              </a:ext>
+            </a:extLst>
+          </p:cNvPr>
+          <p:cNvSpPr>
+            <a:spLocks noGrp="1" noRot="1" noChangeAspect="1" noMove="1" noResize="1" noEditPoints="1" noAdjustHandles="1" noChangeArrowheads="1" noChangeShapeType="1" noTextEdit="1"/>
+          </p:cNvSpPr>
+          <p:nvPr>
+            <p:extLst>
+              <p:ext uri="{386F3935-93C4-4BCD-93E2-E3B085C9AB24}">
+                <p16:designElem xmlns:p16="http://schemas.microsoft.com/office/powerpoint/2015/main" val="1"/>
+              </p:ext>
+            </p:extLst>
+          </p:nvPr>
+        </p:nvSpPr>
+        <p:spPr>
+          <a:xfrm>
+            <a:off x="0" y="0"/>
+            <a:ext cx="12192000" cy="6858000"/>
+          </a:xfrm>
+          <a:prstGeom prst="rect">
+            <a:avLst/>
+          </a:prstGeom>
+          <a:ln>
+            <a:noFill/>
+          </a:ln>
+        </p:spPr>
+        <p:style>
+          <a:lnRef idx="2">
+            <a:schemeClr val="accent1">
+              <a:shade val="50000"/>
+            </a:schemeClr>
+          </a:lnRef>
+          <a:fillRef idx="1">
+            <a:schemeClr val="accent1"/>
+          </a:fillRef>
+          <a:effectRef idx="0">
+            <a:schemeClr val="accent1"/>
+          </a:effectRef>
+          <a:fontRef idx="minor">
+            <a:schemeClr val="lt1"/>
+          </a:fontRef>
+        </p:style>
+        <p:txBody>
+          <a:bodyPr rtlCol="0" anchor="ctr"/>
+          <a:lstStyle/>
+          <a:p>
+            <a:pPr algn="ctr"/>
+            <a:endParaRPr lang="en-US"/>
+          </a:p>
+        </p:txBody>
+      </p:sp>
+      <p:sp>
+        <p:nvSpPr>
+          <p:cNvPr id="2" name="Title 1">
+            <a:extLst>
+              <a:ext uri="{FF2B5EF4-FFF2-40B4-BE49-F238E27FC236}">
+                <a16:creationId xmlns:a16="http://schemas.microsoft.com/office/drawing/2014/main" id="{A770A278-1453-B300-4413-9868E8FD6C7E}"/>
+              </a:ext>
+            </a:extLst>
+          </p:cNvPr>
+          <p:cNvSpPr>
+            <a:spLocks noGrp="1"/>
+          </p:cNvSpPr>
+          <p:nvPr>
+            <p:ph type="title"/>
+          </p:nvPr>
+        </p:nvSpPr>
+        <p:spPr>
+          <a:xfrm>
+            <a:off x="638882" y="639193"/>
+            <a:ext cx="3571810" cy="3573516"/>
+          </a:xfrm>
+        </p:spPr>
+        <p:txBody>
+          <a:bodyPr vert="horz" lIns="91440" tIns="45720" rIns="91440" bIns="45720" rtlCol="0" anchor="b">
+            <a:normAutofit/>
+          </a:bodyPr>
+          <a:lstStyle/>
+          <a:p>
+            <a:r>
+              <a:rPr lang="en-US" sz="4100" kern="1200">
+                <a:solidFill>
+                  <a:schemeClr val="tx1"/>
+                </a:solidFill>
+                <a:latin typeface="+mj-lt"/>
+                <a:ea typeface="+mj-ea"/>
+                <a:cs typeface="+mj-cs"/>
+              </a:rPr>
+              <a:t>Battery Operations: store when high RE on islanded grid, discharge later in the day</a:t>
+            </a:r>
+          </a:p>
+        </p:txBody>
+      </p:sp>
+      <p:sp>
+        <p:nvSpPr>
+          <p:cNvPr id="73" name="sketch line">
+            <a:extLst>
+              <a:ext uri="{FF2B5EF4-FFF2-40B4-BE49-F238E27FC236}">
+                <a16:creationId xmlns:a16="http://schemas.microsoft.com/office/drawing/2014/main" id="{3FCFB1DE-0B7E-48CC-BA90-B2AB0889F9D6}"/>
+              </a:ext>
+              <a:ext uri="{C183D7F6-B498-43B3-948B-1728B52AA6E4}">
+                <adec:decorative xmlns:adec="http://schemas.microsoft.com/office/drawing/2017/decorative" val="1"/>
+              </a:ext>
+            </a:extLst>
+          </p:cNvPr>
+          <p:cNvSpPr>
+            <a:spLocks noGrp="1" noRot="1" noChangeAspect="1" noMove="1" noResize="1" noEditPoints="1" noAdjustHandles="1" noChangeArrowheads="1" noChangeShapeType="1" noTextEdit="1"/>
+          </p:cNvSpPr>
+          <p:nvPr>
+            <p:extLst>
+              <p:ext uri="{386F3935-93C4-4BCD-93E2-E3B085C9AB24}">
+                <p16:designElem xmlns:p16="http://schemas.microsoft.com/office/powerpoint/2015/main" val="1"/>
+              </p:ext>
+            </p:extLst>
+          </p:nvPr>
+        </p:nvSpPr>
+        <p:spPr>
+          <a:xfrm>
+            <a:off x="643278" y="4409267"/>
+            <a:ext cx="3255095" cy="18288"/>
+          </a:xfrm>
+          <a:custGeom>
+            <a:avLst/>
+            <a:gdLst>
+              <a:gd name="connsiteX0" fmla="*/ 0 w 3255095"/>
+              <a:gd name="connsiteY0" fmla="*/ 0 h 18288"/>
+              <a:gd name="connsiteX1" fmla="*/ 618468 w 3255095"/>
+              <a:gd name="connsiteY1" fmla="*/ 0 h 18288"/>
+              <a:gd name="connsiteX2" fmla="*/ 1269487 w 3255095"/>
+              <a:gd name="connsiteY2" fmla="*/ 0 h 18288"/>
+              <a:gd name="connsiteX3" fmla="*/ 1953057 w 3255095"/>
+              <a:gd name="connsiteY3" fmla="*/ 0 h 18288"/>
+              <a:gd name="connsiteX4" fmla="*/ 2636627 w 3255095"/>
+              <a:gd name="connsiteY4" fmla="*/ 0 h 18288"/>
+              <a:gd name="connsiteX5" fmla="*/ 3255095 w 3255095"/>
+              <a:gd name="connsiteY5" fmla="*/ 0 h 18288"/>
+              <a:gd name="connsiteX6" fmla="*/ 3255095 w 3255095"/>
+              <a:gd name="connsiteY6" fmla="*/ 18288 h 18288"/>
+              <a:gd name="connsiteX7" fmla="*/ 2538974 w 3255095"/>
+              <a:gd name="connsiteY7" fmla="*/ 18288 h 18288"/>
+              <a:gd name="connsiteX8" fmla="*/ 1822853 w 3255095"/>
+              <a:gd name="connsiteY8" fmla="*/ 18288 h 18288"/>
+              <a:gd name="connsiteX9" fmla="*/ 1171834 w 3255095"/>
+              <a:gd name="connsiteY9" fmla="*/ 18288 h 18288"/>
+              <a:gd name="connsiteX10" fmla="*/ 0 w 3255095"/>
+              <a:gd name="connsiteY10" fmla="*/ 18288 h 18288"/>
+              <a:gd name="connsiteX11" fmla="*/ 0 w 3255095"/>
+              <a:gd name="connsiteY11" fmla="*/ 0 h 18288"/>
+            </a:gdLst>
+            <a:ahLst/>
+            <a:cxnLst>
+              <a:cxn ang="0">
+                <a:pos x="connsiteX0" y="connsiteY0"/>
+              </a:cxn>
+              <a:cxn ang="0">
+                <a:pos x="connsiteX1" y="connsiteY1"/>
+              </a:cxn>
+              <a:cxn ang="0">
+                <a:pos x="connsiteX2" y="connsiteY2"/>
+              </a:cxn>
+              <a:cxn ang="0">
+                <a:pos x="connsiteX3" y="connsiteY3"/>
+              </a:cxn>
+              <a:cxn ang="0">
+                <a:pos x="connsiteX4" y="connsiteY4"/>
+              </a:cxn>
+              <a:cxn ang="0">
+                <a:pos x="connsiteX5" y="connsiteY5"/>
+              </a:cxn>
+              <a:cxn ang="0">
+                <a:pos x="connsiteX6" y="connsiteY6"/>
+              </a:cxn>
+              <a:cxn ang="0">
+                <a:pos x="connsiteX7" y="connsiteY7"/>
+              </a:cxn>
+              <a:cxn ang="0">
+                <a:pos x="connsiteX8" y="connsiteY8"/>
+              </a:cxn>
+              <a:cxn ang="0">
+                <a:pos x="connsiteX9" y="connsiteY9"/>
+              </a:cxn>
+              <a:cxn ang="0">
+                <a:pos x="connsiteX10" y="connsiteY10"/>
+              </a:cxn>
+              <a:cxn ang="0">
+                <a:pos x="connsiteX11" y="connsiteY11"/>
+              </a:cxn>
+            </a:cxnLst>
+            <a:rect l="l" t="t" r="r" b="b"/>
+            <a:pathLst>
+              <a:path w="3255095" h="18288" fill="none" extrusionOk="0">
+                <a:moveTo>
+                  <a:pt x="0" y="0"/>
+                </a:moveTo>
+                <a:cubicBezTo>
+                  <a:pt x="240201" y="-22123"/>
+                  <a:pt x="462021" y="-19623"/>
+                  <a:pt x="618468" y="0"/>
+                </a:cubicBezTo>
+                <a:cubicBezTo>
+                  <a:pt x="774915" y="19623"/>
+                  <a:pt x="974734" y="2035"/>
+                  <a:pt x="1269487" y="0"/>
+                </a:cubicBezTo>
+                <a:cubicBezTo>
+                  <a:pt x="1564240" y="-2035"/>
+                  <a:pt x="1733579" y="10639"/>
+                  <a:pt x="1953057" y="0"/>
+                </a:cubicBezTo>
+                <a:cubicBezTo>
+                  <a:pt x="2172535" y="-10639"/>
+                  <a:pt x="2453962" y="14018"/>
+                  <a:pt x="2636627" y="0"/>
+                </a:cubicBezTo>
+                <a:cubicBezTo>
+                  <a:pt x="2819292" y="-14018"/>
+                  <a:pt x="3121375" y="5399"/>
+                  <a:pt x="3255095" y="0"/>
+                </a:cubicBezTo>
+                <a:cubicBezTo>
+                  <a:pt x="3254386" y="8157"/>
+                  <a:pt x="3254682" y="12125"/>
+                  <a:pt x="3255095" y="18288"/>
+                </a:cubicBezTo>
+                <a:cubicBezTo>
+                  <a:pt x="3088545" y="23203"/>
+                  <a:pt x="2687475" y="7419"/>
+                  <a:pt x="2538974" y="18288"/>
+                </a:cubicBezTo>
+                <a:cubicBezTo>
+                  <a:pt x="2390473" y="29157"/>
+                  <a:pt x="2137381" y="-8959"/>
+                  <a:pt x="1822853" y="18288"/>
+                </a:cubicBezTo>
+                <a:cubicBezTo>
+                  <a:pt x="1508325" y="45535"/>
+                  <a:pt x="1466437" y="20385"/>
+                  <a:pt x="1171834" y="18288"/>
+                </a:cubicBezTo>
+                <a:cubicBezTo>
+                  <a:pt x="877231" y="16191"/>
+                  <a:pt x="561097" y="37643"/>
+                  <a:pt x="0" y="18288"/>
+                </a:cubicBezTo>
+                <a:cubicBezTo>
+                  <a:pt x="-46" y="12483"/>
+                  <a:pt x="-203" y="6491"/>
+                  <a:pt x="0" y="0"/>
+                </a:cubicBezTo>
+                <a:close/>
+              </a:path>
+              <a:path w="3255095" h="18288" stroke="0" extrusionOk="0">
+                <a:moveTo>
+                  <a:pt x="0" y="0"/>
+                </a:moveTo>
+                <a:cubicBezTo>
+                  <a:pt x="291965" y="19429"/>
+                  <a:pt x="363155" y="8568"/>
+                  <a:pt x="618468" y="0"/>
+                </a:cubicBezTo>
+                <a:cubicBezTo>
+                  <a:pt x="873781" y="-8568"/>
+                  <a:pt x="904459" y="-19505"/>
+                  <a:pt x="1171834" y="0"/>
+                </a:cubicBezTo>
+                <a:cubicBezTo>
+                  <a:pt x="1439209" y="19505"/>
+                  <a:pt x="1744369" y="9790"/>
+                  <a:pt x="1887955" y="0"/>
+                </a:cubicBezTo>
+                <a:cubicBezTo>
+                  <a:pt x="2031541" y="-9790"/>
+                  <a:pt x="2346378" y="21240"/>
+                  <a:pt x="2506423" y="0"/>
+                </a:cubicBezTo>
+                <a:cubicBezTo>
+                  <a:pt x="2666468" y="-21240"/>
+                  <a:pt x="2990257" y="30414"/>
+                  <a:pt x="3255095" y="0"/>
+                </a:cubicBezTo>
+                <a:cubicBezTo>
+                  <a:pt x="3254831" y="4493"/>
+                  <a:pt x="3255479" y="9472"/>
+                  <a:pt x="3255095" y="18288"/>
+                </a:cubicBezTo>
+                <a:cubicBezTo>
+                  <a:pt x="3120743" y="16690"/>
+                  <a:pt x="2759628" y="42462"/>
+                  <a:pt x="2604076" y="18288"/>
+                </a:cubicBezTo>
+                <a:cubicBezTo>
+                  <a:pt x="2448524" y="-5886"/>
+                  <a:pt x="2184336" y="19599"/>
+                  <a:pt x="1887955" y="18288"/>
+                </a:cubicBezTo>
+                <a:cubicBezTo>
+                  <a:pt x="1591574" y="16977"/>
+                  <a:pt x="1548845" y="6870"/>
+                  <a:pt x="1334589" y="18288"/>
+                </a:cubicBezTo>
+                <a:cubicBezTo>
+                  <a:pt x="1120333" y="29706"/>
+                  <a:pt x="996014" y="9662"/>
+                  <a:pt x="683570" y="18288"/>
+                </a:cubicBezTo>
+                <a:cubicBezTo>
+                  <a:pt x="371126" y="26914"/>
+                  <a:pt x="198687" y="16167"/>
+                  <a:pt x="0" y="18288"/>
+                </a:cubicBezTo>
+                <a:cubicBezTo>
+                  <a:pt x="843" y="9577"/>
+                  <a:pt x="371" y="6900"/>
+                  <a:pt x="0" y="0"/>
+                </a:cubicBezTo>
+                <a:close/>
+              </a:path>
+            </a:pathLst>
+          </a:custGeom>
+          <a:solidFill>
+            <a:schemeClr val="accent2"/>
+          </a:solidFill>
+          <a:ln w="38100" cap="rnd">
+            <a:solidFill>
+              <a:schemeClr val="accent2"/>
+            </a:solidFill>
+            <a:round/>
+            <a:extLst>
+              <a:ext uri="{C807C97D-BFC1-408E-A445-0C87EB9F89A2}">
+                <ask:lineSketchStyleProps xmlns:ask="http://schemas.microsoft.com/office/drawing/2018/sketchyshapes" sd="1219033472">
+                  <a:prstGeom prst="rect">
+                    <a:avLst/>
+                  </a:prstGeom>
+                  <ask:type>
+                    <ask:lineSketchFreehand/>
+                  </ask:type>
+                </ask:lineSketchStyleProps>
+              </a:ext>
+            </a:extLst>
+          </a:ln>
+        </p:spPr>
+        <p:style>
+          <a:lnRef idx="2">
+            <a:schemeClr val="accent1">
+              <a:shade val="50000"/>
+            </a:schemeClr>
+          </a:lnRef>
+          <a:fillRef idx="1">
+            <a:schemeClr val="accent1"/>
+          </a:fillRef>
+          <a:effectRef idx="0">
+            <a:schemeClr val="accent1"/>
+          </a:effectRef>
+          <a:fontRef idx="minor">
+            <a:schemeClr val="lt1"/>
+          </a:fontRef>
+        </p:style>
+        <p:txBody>
+          <a:bodyPr rtlCol="0" anchor="ctr"/>
+          <a:lstStyle/>
+          <a:p>
+            <a:pPr algn="ctr"/>
+            <a:endParaRPr lang="en-US"/>
+          </a:p>
+        </p:txBody>
+      </p:sp>
+      <p:pic>
+        <p:nvPicPr>
+          <p:cNvPr id="2050" name="Picture 2">
+            <a:extLst>
+              <a:ext uri="{FF2B5EF4-FFF2-40B4-BE49-F238E27FC236}">
+                <a16:creationId xmlns:a16="http://schemas.microsoft.com/office/drawing/2014/main" id="{167E8647-482F-0882-B789-B14DAF7F0771}"/>
+              </a:ext>
+            </a:extLst>
+          </p:cNvPr>
+          <p:cNvPicPr>
+            <a:picLocks noChangeAspect="1" noChangeArrowheads="1"/>
+          </p:cNvPicPr>
+          <p:nvPr/>
+        </p:nvPicPr>
+        <p:blipFill>
+          <a:blip r:embed="rId2">
+            <a:extLst>
+              <a:ext uri="{28A0092B-C50C-407E-A947-70E740481C1C}">
+                <a14:useLocalDpi xmlns:a14="http://schemas.microsoft.com/office/drawing/2010/main" val="0"/>
+              </a:ext>
+            </a:extLst>
+          </a:blip>
+          <a:stretch>
+            <a:fillRect/>
+          </a:stretch>
+        </p:blipFill>
+        <p:spPr bwMode="auto">
+          <a:xfrm>
+            <a:off x="4654296" y="1124644"/>
+            <a:ext cx="7214616" cy="4581280"/>
+          </a:xfrm>
+          <a:prstGeom prst="rect">
+            <a:avLst/>
+          </a:prstGeom>
+          <a:noFill/>
+          <a:extLst>
+            <a:ext uri="{909E8E84-426E-40DD-AFC4-6F175D3DCCD1}">
+              <a14:hiddenFill xmlns:a14="http://schemas.microsoft.com/office/drawing/2010/main">
+                <a:solidFill>
+                  <a:srgbClr val="FFFFFF"/>
+                </a:solidFill>
+              </a14:hiddenFill>
+            </a:ext>
+          </a:extLst>
+        </p:spPr>
+      </p:pic>
+      <p:sp>
+        <p:nvSpPr>
+          <p:cNvPr id="4" name="Slide Number Placeholder 3">
+            <a:extLst>
+              <a:ext uri="{FF2B5EF4-FFF2-40B4-BE49-F238E27FC236}">
+                <a16:creationId xmlns:a16="http://schemas.microsoft.com/office/drawing/2014/main" id="{A976C953-6C3B-7437-982C-08C7B4D60C3A}"/>
+              </a:ext>
+            </a:extLst>
+          </p:cNvPr>
+          <p:cNvSpPr>
+            <a:spLocks noGrp="1"/>
+          </p:cNvSpPr>
+          <p:nvPr>
+            <p:ph type="sldNum" sz="quarter" idx="12"/>
+          </p:nvPr>
+        </p:nvSpPr>
+        <p:spPr>
+          <a:xfrm>
+            <a:off x="8610600" y="6356350"/>
+            <a:ext cx="2743200" cy="365125"/>
+          </a:xfrm>
+        </p:spPr>
+        <p:txBody>
+          <a:bodyPr vert="horz" lIns="91440" tIns="45720" rIns="91440" bIns="45720" rtlCol="0" anchor="ctr">
+            <a:normAutofit/>
+          </a:bodyPr>
+          <a:lstStyle/>
+          <a:p>
+            <a:pPr>
+              <a:spcAft>
+                <a:spcPts val="600"/>
+              </a:spcAft>
+            </a:pPr>
+            <a:fld id="{EA503B31-CC2D-419F-B325-05543D31F82E}" type="slidenum">
+              <a:rPr lang="en-US" smtClean="0"/>
+              <a:pPr>
+                <a:spcAft>
+                  <a:spcPts val="600"/>
+                </a:spcAft>
+              </a:pPr>
+              <a:t>6</a:t>
+            </a:fld>
+            <a:endParaRPr lang="en-US"/>
+          </a:p>
+        </p:txBody>
+      </p:sp>
+    </p:spTree>
+    <p:extLst>
+      <p:ext uri="{BB962C8B-B14F-4D97-AF65-F5344CB8AC3E}">
+        <p14:creationId xmlns:p14="http://schemas.microsoft.com/office/powerpoint/2010/main" val="3613164485"/>
+      </p:ext>
+    </p:extLst>
+  </p:cSld>
+  <p:clrMapOvr>
+    <a:masterClrMapping/>
+  </p:clrMapOvr>
+</p:sld>
+</file>
+
+<file path=ppt/slides/slide7.xml><?xml version="1.0" encoding="utf-8"?>
+<p:sld xmlns:a="http://schemas.openxmlformats.org/drawingml/2006/main" xmlns:r="http://schemas.openxmlformats.org/officeDocument/2006/relationships" xmlns:p="http://schemas.openxmlformats.org/presentationml/2006/main">
+  <p:cSld>
+    <p:bg>
+      <p:bgPr>
+        <a:solidFill>
+          <a:schemeClr val="bg1"/>
+        </a:solidFill>
+        <a:effectLst/>
+      </p:bgPr>
+    </p:bg>
+    <p:spTree>
+      <p:nvGrpSpPr>
+        <p:cNvPr id="1" name=""/>
+        <p:cNvGrpSpPr/>
+        <p:nvPr/>
+      </p:nvGrpSpPr>
+      <p:grpSpPr>
+        <a:xfrm>
+          <a:off x="0" y="0"/>
+          <a:ext cx="0" cy="0"/>
+          <a:chOff x="0" y="0"/>
+          <a:chExt cx="0" cy="0"/>
+        </a:xfrm>
+      </p:grpSpPr>
+      <p:sp useBgFill="1">
+        <p:nvSpPr>
+          <p:cNvPr id="71" name="Rectangle 70">
+            <a:extLst>
+              <a:ext uri="{FF2B5EF4-FFF2-40B4-BE49-F238E27FC236}">
+                <a16:creationId xmlns:a16="http://schemas.microsoft.com/office/drawing/2014/main" id="{665DBBEF-238B-476B-96AB-8AAC3224ECEA}"/>
+              </a:ext>
+              <a:ext uri="{C183D7F6-B498-43B3-948B-1728B52AA6E4}">
+                <adec:decorative xmlns:adec="http://schemas.microsoft.com/office/drawing/2017/decorative" val="1"/>
+              </a:ext>
+            </a:extLst>
+          </p:cNvPr>
+          <p:cNvSpPr>
+            <a:spLocks noGrp="1" noRot="1" noChangeAspect="1" noMove="1" noResize="1" noEditPoints="1" noAdjustHandles="1" noChangeArrowheads="1" noChangeShapeType="1" noTextEdit="1"/>
+          </p:cNvSpPr>
+          <p:nvPr>
+            <p:extLst>
+              <p:ext uri="{386F3935-93C4-4BCD-93E2-E3B085C9AB24}">
+                <p16:designElem xmlns:p16="http://schemas.microsoft.com/office/powerpoint/2015/main" val="1"/>
+              </p:ext>
+            </p:extLst>
+          </p:nvPr>
+        </p:nvSpPr>
+        <p:spPr>
+          <a:xfrm>
+            <a:off x="0" y="0"/>
+            <a:ext cx="12192000" cy="6858000"/>
+          </a:xfrm>
+          <a:prstGeom prst="rect">
+            <a:avLst/>
+          </a:prstGeom>
+          <a:ln>
+            <a:noFill/>
+          </a:ln>
+        </p:spPr>
+        <p:style>
+          <a:lnRef idx="2">
+            <a:schemeClr val="accent1">
+              <a:shade val="50000"/>
+            </a:schemeClr>
+          </a:lnRef>
+          <a:fillRef idx="1">
+            <a:schemeClr val="accent1"/>
+          </a:fillRef>
+          <a:effectRef idx="0">
+            <a:schemeClr val="accent1"/>
+          </a:effectRef>
+          <a:fontRef idx="minor">
+            <a:schemeClr val="lt1"/>
+          </a:fontRef>
+        </p:style>
+        <p:txBody>
+          <a:bodyPr rtlCol="0" anchor="ctr"/>
+          <a:lstStyle/>
+          <a:p>
+            <a:pPr algn="ctr"/>
+            <a:endParaRPr lang="en-US"/>
+          </a:p>
+        </p:txBody>
+      </p:sp>
+      <p:sp>
+        <p:nvSpPr>
+          <p:cNvPr id="2" name="Title 1">
+            <a:extLst>
+              <a:ext uri="{FF2B5EF4-FFF2-40B4-BE49-F238E27FC236}">
+                <a16:creationId xmlns:a16="http://schemas.microsoft.com/office/drawing/2014/main" id="{A770A278-1453-B300-4413-9868E8FD6C7E}"/>
+              </a:ext>
+            </a:extLst>
+          </p:cNvPr>
+          <p:cNvSpPr>
+            <a:spLocks noGrp="1"/>
+          </p:cNvSpPr>
+          <p:nvPr>
+            <p:ph type="title"/>
+          </p:nvPr>
+        </p:nvSpPr>
+        <p:spPr>
+          <a:xfrm>
+            <a:off x="638882" y="639193"/>
+            <a:ext cx="3571810" cy="3573516"/>
+          </a:xfrm>
+        </p:spPr>
+        <p:txBody>
+          <a:bodyPr vert="horz" lIns="91440" tIns="45720" rIns="91440" bIns="45720" rtlCol="0" anchor="b">
+            <a:normAutofit/>
+          </a:bodyPr>
+          <a:lstStyle/>
+          <a:p>
+            <a:r>
+              <a:rPr lang="en-US" sz="3600" kern="1200">
+                <a:solidFill>
+                  <a:schemeClr val="tx1"/>
+                </a:solidFill>
+                <a:latin typeface="+mj-lt"/>
+                <a:ea typeface="+mj-ea"/>
+                <a:cs typeface="+mj-cs"/>
+              </a:rPr>
+              <a:t>Hydrogen Production and storage: store with high RE and then deploy when solar drops off</a:t>
+            </a:r>
+          </a:p>
+        </p:txBody>
+      </p:sp>
+      <p:sp>
+        <p:nvSpPr>
+          <p:cNvPr id="73" name="sketch line">
+            <a:extLst>
+              <a:ext uri="{FF2B5EF4-FFF2-40B4-BE49-F238E27FC236}">
+                <a16:creationId xmlns:a16="http://schemas.microsoft.com/office/drawing/2014/main" id="{3FCFB1DE-0B7E-48CC-BA90-B2AB0889F9D6}"/>
+              </a:ext>
+              <a:ext uri="{C183D7F6-B498-43B3-948B-1728B52AA6E4}">
+                <adec:decorative xmlns:adec="http://schemas.microsoft.com/office/drawing/2017/decorative" val="1"/>
+              </a:ext>
+            </a:extLst>
+          </p:cNvPr>
+          <p:cNvSpPr>
+            <a:spLocks noGrp="1" noRot="1" noChangeAspect="1" noMove="1" noResize="1" noEditPoints="1" noAdjustHandles="1" noChangeArrowheads="1" noChangeShapeType="1" noTextEdit="1"/>
+          </p:cNvSpPr>
+          <p:nvPr>
+            <p:extLst>
+              <p:ext uri="{386F3935-93C4-4BCD-93E2-E3B085C9AB24}">
+                <p16:designElem xmlns:p16="http://schemas.microsoft.com/office/powerpoint/2015/main" val="1"/>
+              </p:ext>
+            </p:extLst>
+          </p:nvPr>
+        </p:nvSpPr>
+        <p:spPr>
+          <a:xfrm>
+            <a:off x="643278" y="4409267"/>
+            <a:ext cx="3255095" cy="18288"/>
+          </a:xfrm>
+          <a:custGeom>
+            <a:avLst/>
+            <a:gdLst>
+              <a:gd name="connsiteX0" fmla="*/ 0 w 3255095"/>
+              <a:gd name="connsiteY0" fmla="*/ 0 h 18288"/>
+              <a:gd name="connsiteX1" fmla="*/ 618468 w 3255095"/>
+              <a:gd name="connsiteY1" fmla="*/ 0 h 18288"/>
+              <a:gd name="connsiteX2" fmla="*/ 1269487 w 3255095"/>
+              <a:gd name="connsiteY2" fmla="*/ 0 h 18288"/>
+              <a:gd name="connsiteX3" fmla="*/ 1953057 w 3255095"/>
+              <a:gd name="connsiteY3" fmla="*/ 0 h 18288"/>
+              <a:gd name="connsiteX4" fmla="*/ 2636627 w 3255095"/>
+              <a:gd name="connsiteY4" fmla="*/ 0 h 18288"/>
+              <a:gd name="connsiteX5" fmla="*/ 3255095 w 3255095"/>
+              <a:gd name="connsiteY5" fmla="*/ 0 h 18288"/>
+              <a:gd name="connsiteX6" fmla="*/ 3255095 w 3255095"/>
+              <a:gd name="connsiteY6" fmla="*/ 18288 h 18288"/>
+              <a:gd name="connsiteX7" fmla="*/ 2538974 w 3255095"/>
+              <a:gd name="connsiteY7" fmla="*/ 18288 h 18288"/>
+              <a:gd name="connsiteX8" fmla="*/ 1822853 w 3255095"/>
+              <a:gd name="connsiteY8" fmla="*/ 18288 h 18288"/>
+              <a:gd name="connsiteX9" fmla="*/ 1171834 w 3255095"/>
+              <a:gd name="connsiteY9" fmla="*/ 18288 h 18288"/>
+              <a:gd name="connsiteX10" fmla="*/ 0 w 3255095"/>
+              <a:gd name="connsiteY10" fmla="*/ 18288 h 18288"/>
+              <a:gd name="connsiteX11" fmla="*/ 0 w 3255095"/>
+              <a:gd name="connsiteY11" fmla="*/ 0 h 18288"/>
+            </a:gdLst>
+            <a:ahLst/>
+            <a:cxnLst>
+              <a:cxn ang="0">
+                <a:pos x="connsiteX0" y="connsiteY0"/>
+              </a:cxn>
+              <a:cxn ang="0">
+                <a:pos x="connsiteX1" y="connsiteY1"/>
+              </a:cxn>
+              <a:cxn ang="0">
+                <a:pos x="connsiteX2" y="connsiteY2"/>
+              </a:cxn>
+              <a:cxn ang="0">
+                <a:pos x="connsiteX3" y="connsiteY3"/>
+              </a:cxn>
+              <a:cxn ang="0">
+                <a:pos x="connsiteX4" y="connsiteY4"/>
+              </a:cxn>
+              <a:cxn ang="0">
+                <a:pos x="connsiteX5" y="connsiteY5"/>
+              </a:cxn>
+              <a:cxn ang="0">
+                <a:pos x="connsiteX6" y="connsiteY6"/>
+              </a:cxn>
+              <a:cxn ang="0">
+                <a:pos x="connsiteX7" y="connsiteY7"/>
+              </a:cxn>
+              <a:cxn ang="0">
+                <a:pos x="connsiteX8" y="connsiteY8"/>
+              </a:cxn>
+              <a:cxn ang="0">
+                <a:pos x="connsiteX9" y="connsiteY9"/>
+              </a:cxn>
+              <a:cxn ang="0">
+                <a:pos x="connsiteX10" y="connsiteY10"/>
+              </a:cxn>
+              <a:cxn ang="0">
+                <a:pos x="connsiteX11" y="connsiteY11"/>
+              </a:cxn>
+            </a:cxnLst>
+            <a:rect l="l" t="t" r="r" b="b"/>
+            <a:pathLst>
+              <a:path w="3255095" h="18288" fill="none" extrusionOk="0">
+                <a:moveTo>
+                  <a:pt x="0" y="0"/>
+                </a:moveTo>
+                <a:cubicBezTo>
+                  <a:pt x="240201" y="-22123"/>
+                  <a:pt x="462021" y="-19623"/>
+                  <a:pt x="618468" y="0"/>
+                </a:cubicBezTo>
+                <a:cubicBezTo>
+                  <a:pt x="774915" y="19623"/>
+                  <a:pt x="974734" y="2035"/>
+                  <a:pt x="1269487" y="0"/>
+                </a:cubicBezTo>
+                <a:cubicBezTo>
+                  <a:pt x="1564240" y="-2035"/>
+                  <a:pt x="1733579" y="10639"/>
+                  <a:pt x="1953057" y="0"/>
+                </a:cubicBezTo>
+                <a:cubicBezTo>
+                  <a:pt x="2172535" y="-10639"/>
+                  <a:pt x="2453962" y="14018"/>
+                  <a:pt x="2636627" y="0"/>
+                </a:cubicBezTo>
+                <a:cubicBezTo>
+                  <a:pt x="2819292" y="-14018"/>
+                  <a:pt x="3121375" y="5399"/>
+                  <a:pt x="3255095" y="0"/>
+                </a:cubicBezTo>
+                <a:cubicBezTo>
+                  <a:pt x="3254386" y="8157"/>
+                  <a:pt x="3254682" y="12125"/>
+                  <a:pt x="3255095" y="18288"/>
+                </a:cubicBezTo>
+                <a:cubicBezTo>
+                  <a:pt x="3088545" y="23203"/>
+                  <a:pt x="2687475" y="7419"/>
+                  <a:pt x="2538974" y="18288"/>
+                </a:cubicBezTo>
+                <a:cubicBezTo>
+                  <a:pt x="2390473" y="29157"/>
+                  <a:pt x="2137381" y="-8959"/>
+                  <a:pt x="1822853" y="18288"/>
+                </a:cubicBezTo>
+                <a:cubicBezTo>
+                  <a:pt x="1508325" y="45535"/>
+                  <a:pt x="1466437" y="20385"/>
+                  <a:pt x="1171834" y="18288"/>
+                </a:cubicBezTo>
+                <a:cubicBezTo>
+                  <a:pt x="877231" y="16191"/>
+                  <a:pt x="561097" y="37643"/>
+                  <a:pt x="0" y="18288"/>
+                </a:cubicBezTo>
+                <a:cubicBezTo>
+                  <a:pt x="-46" y="12483"/>
+                  <a:pt x="-203" y="6491"/>
+                  <a:pt x="0" y="0"/>
+                </a:cubicBezTo>
+                <a:close/>
+              </a:path>
+              <a:path w="3255095" h="18288" stroke="0" extrusionOk="0">
+                <a:moveTo>
+                  <a:pt x="0" y="0"/>
+                </a:moveTo>
+                <a:cubicBezTo>
+                  <a:pt x="291965" y="19429"/>
+                  <a:pt x="363155" y="8568"/>
+                  <a:pt x="618468" y="0"/>
+                </a:cubicBezTo>
+                <a:cubicBezTo>
+                  <a:pt x="873781" y="-8568"/>
+                  <a:pt x="904459" y="-19505"/>
+                  <a:pt x="1171834" y="0"/>
+                </a:cubicBezTo>
+                <a:cubicBezTo>
+                  <a:pt x="1439209" y="19505"/>
+                  <a:pt x="1744369" y="9790"/>
+                  <a:pt x="1887955" y="0"/>
+                </a:cubicBezTo>
+                <a:cubicBezTo>
+                  <a:pt x="2031541" y="-9790"/>
+                  <a:pt x="2346378" y="21240"/>
+                  <a:pt x="2506423" y="0"/>
+                </a:cubicBezTo>
+                <a:cubicBezTo>
+                  <a:pt x="2666468" y="-21240"/>
+                  <a:pt x="2990257" y="30414"/>
+                  <a:pt x="3255095" y="0"/>
+                </a:cubicBezTo>
+                <a:cubicBezTo>
+                  <a:pt x="3254831" y="4493"/>
+                  <a:pt x="3255479" y="9472"/>
+                  <a:pt x="3255095" y="18288"/>
+                </a:cubicBezTo>
+                <a:cubicBezTo>
+                  <a:pt x="3120743" y="16690"/>
+                  <a:pt x="2759628" y="42462"/>
+                  <a:pt x="2604076" y="18288"/>
+                </a:cubicBezTo>
+                <a:cubicBezTo>
+                  <a:pt x="2448524" y="-5886"/>
+                  <a:pt x="2184336" y="19599"/>
+                  <a:pt x="1887955" y="18288"/>
+                </a:cubicBezTo>
+                <a:cubicBezTo>
+                  <a:pt x="1591574" y="16977"/>
+                  <a:pt x="1548845" y="6870"/>
+                  <a:pt x="1334589" y="18288"/>
+                </a:cubicBezTo>
+                <a:cubicBezTo>
+                  <a:pt x="1120333" y="29706"/>
+                  <a:pt x="996014" y="9662"/>
+                  <a:pt x="683570" y="18288"/>
+                </a:cubicBezTo>
+                <a:cubicBezTo>
+                  <a:pt x="371126" y="26914"/>
+                  <a:pt x="198687" y="16167"/>
+                  <a:pt x="0" y="18288"/>
+                </a:cubicBezTo>
+                <a:cubicBezTo>
+                  <a:pt x="843" y="9577"/>
+                  <a:pt x="371" y="6900"/>
+                  <a:pt x="0" y="0"/>
+                </a:cubicBezTo>
+                <a:close/>
+              </a:path>
+            </a:pathLst>
+          </a:custGeom>
+          <a:solidFill>
+            <a:schemeClr val="accent2"/>
+          </a:solidFill>
+          <a:ln w="38100" cap="rnd">
+            <a:solidFill>
+              <a:schemeClr val="accent2"/>
+            </a:solidFill>
+            <a:round/>
+            <a:extLst>
+              <a:ext uri="{C807C97D-BFC1-408E-A445-0C87EB9F89A2}">
+                <ask:lineSketchStyleProps xmlns:ask="http://schemas.microsoft.com/office/drawing/2018/sketchyshapes" sd="1219033472">
+                  <a:prstGeom prst="rect">
+                    <a:avLst/>
+                  </a:prstGeom>
+                  <ask:type>
+                    <ask:lineSketchFreehand/>
+                  </ask:type>
+                </ask:lineSketchStyleProps>
+              </a:ext>
+            </a:extLst>
+          </a:ln>
+        </p:spPr>
+        <p:style>
+          <a:lnRef idx="2">
+            <a:schemeClr val="accent1">
+              <a:shade val="50000"/>
+            </a:schemeClr>
+          </a:lnRef>
+          <a:fillRef idx="1">
+            <a:schemeClr val="accent1"/>
+          </a:fillRef>
+          <a:effectRef idx="0">
+            <a:schemeClr val="accent1"/>
+          </a:effectRef>
+          <a:fontRef idx="minor">
+            <a:schemeClr val="lt1"/>
+          </a:fontRef>
+        </p:style>
+        <p:txBody>
+          <a:bodyPr rtlCol="0" anchor="ctr"/>
+          <a:lstStyle/>
+          <a:p>
+            <a:pPr algn="ctr"/>
+            <a:endParaRPr lang="en-US"/>
+          </a:p>
+        </p:txBody>
+      </p:sp>
+      <p:pic>
+        <p:nvPicPr>
+          <p:cNvPr id="4098" name="Picture 2">
+            <a:extLst>
+              <a:ext uri="{FF2B5EF4-FFF2-40B4-BE49-F238E27FC236}">
+                <a16:creationId xmlns:a16="http://schemas.microsoft.com/office/drawing/2014/main" id="{3814D522-698A-80CF-D179-F7906F0ADEB1}"/>
+              </a:ext>
+            </a:extLst>
+          </p:cNvPr>
+          <p:cNvPicPr>
+            <a:picLocks noChangeAspect="1" noChangeArrowheads="1"/>
+          </p:cNvPicPr>
+          <p:nvPr/>
+        </p:nvPicPr>
+        <p:blipFill>
+          <a:blip r:embed="rId2">
+            <a:extLst>
+              <a:ext uri="{28A0092B-C50C-407E-A947-70E740481C1C}">
+                <a14:useLocalDpi xmlns:a14="http://schemas.microsoft.com/office/drawing/2010/main" val="0"/>
+              </a:ext>
+            </a:extLst>
+          </a:blip>
+          <a:stretch>
+            <a:fillRect/>
+          </a:stretch>
+        </p:blipFill>
+        <p:spPr bwMode="auto">
+          <a:xfrm>
+            <a:off x="4654296" y="1070534"/>
+            <a:ext cx="7214616" cy="4689499"/>
+          </a:xfrm>
+          <a:prstGeom prst="rect">
+            <a:avLst/>
+          </a:prstGeom>
+          <a:noFill/>
+          <a:extLst>
+            <a:ext uri="{909E8E84-426E-40DD-AFC4-6F175D3DCCD1}">
+              <a14:hiddenFill xmlns:a14="http://schemas.microsoft.com/office/drawing/2010/main">
+                <a:solidFill>
+                  <a:srgbClr val="FFFFFF"/>
+                </a:solidFill>
+              </a14:hiddenFill>
+            </a:ext>
+          </a:extLst>
+        </p:spPr>
+      </p:pic>
+      <p:sp>
+        <p:nvSpPr>
+          <p:cNvPr id="4" name="Slide Number Placeholder 3">
+            <a:extLst>
+              <a:ext uri="{FF2B5EF4-FFF2-40B4-BE49-F238E27FC236}">
+                <a16:creationId xmlns:a16="http://schemas.microsoft.com/office/drawing/2014/main" id="{A976C953-6C3B-7437-982C-08C7B4D60C3A}"/>
+              </a:ext>
+            </a:extLst>
+          </p:cNvPr>
+          <p:cNvSpPr>
+            <a:spLocks noGrp="1"/>
+          </p:cNvSpPr>
+          <p:nvPr>
+            <p:ph type="sldNum" sz="quarter" idx="12"/>
+          </p:nvPr>
+        </p:nvSpPr>
+        <p:spPr>
+          <a:xfrm>
+            <a:off x="8610600" y="6356350"/>
+            <a:ext cx="2743200" cy="365125"/>
+          </a:xfrm>
+        </p:spPr>
+        <p:txBody>
+          <a:bodyPr vert="horz" lIns="91440" tIns="45720" rIns="91440" bIns="45720" rtlCol="0" anchor="ctr">
+            <a:normAutofit/>
+          </a:bodyPr>
+          <a:lstStyle/>
+          <a:p>
+            <a:pPr>
+              <a:spcAft>
+                <a:spcPts val="600"/>
+              </a:spcAft>
+            </a:pPr>
+            <a:fld id="{EA503B31-CC2D-419F-B325-05543D31F82E}" type="slidenum">
+              <a:rPr lang="en-US" smtClean="0"/>
+              <a:pPr>
+                <a:spcAft>
+                  <a:spcPts val="600"/>
+                </a:spcAft>
+              </a:pPr>
+              <a:t>7</a:t>
+            </a:fld>
+            <a:endParaRPr lang="en-US"/>
+          </a:p>
+        </p:txBody>
+      </p:sp>
+    </p:spTree>
+    <p:extLst>
+      <p:ext uri="{BB962C8B-B14F-4D97-AF65-F5344CB8AC3E}">
+        <p14:creationId xmlns:p14="http://schemas.microsoft.com/office/powerpoint/2010/main" val="910580707"/>
+      </p:ext>
+    </p:extLst>
+  </p:cSld>
+  <p:clrMapOvr>
+    <a:masterClrMapping/>
+  </p:clrMapOvr>
+</p:sld>
+</file>
+
+<file path=ppt/slides/slide8.xml><?xml version="1.0" encoding="utf-8"?>
+<p:sld xmlns:a="http://schemas.openxmlformats.org/drawingml/2006/main" xmlns:r="http://schemas.openxmlformats.org/officeDocument/2006/relationships" xmlns:p="http://schemas.openxmlformats.org/presentationml/2006/main">
+  <p:cSld>
+    <p:bg>
+      <p:bgPr>
+        <a:solidFill>
+          <a:schemeClr val="bg1"/>
+        </a:solidFill>
+        <a:effectLst/>
+      </p:bgPr>
+    </p:bg>
+    <p:spTree>
+      <p:nvGrpSpPr>
+        <p:cNvPr id="1" name=""/>
+        <p:cNvGrpSpPr/>
+        <p:nvPr/>
+      </p:nvGrpSpPr>
+      <p:grpSpPr>
+        <a:xfrm>
+          <a:off x="0" y="0"/>
+          <a:ext cx="0" cy="0"/>
+          <a:chOff x="0" y="0"/>
+          <a:chExt cx="0" cy="0"/>
+        </a:xfrm>
+      </p:grpSpPr>
+      <p:sp useBgFill="1">
+        <p:nvSpPr>
+          <p:cNvPr id="71" name="Rectangle 70">
+            <a:extLst>
+              <a:ext uri="{FF2B5EF4-FFF2-40B4-BE49-F238E27FC236}">
+                <a16:creationId xmlns:a16="http://schemas.microsoft.com/office/drawing/2014/main" id="{665DBBEF-238B-476B-96AB-8AAC3224ECEA}"/>
+              </a:ext>
+              <a:ext uri="{C183D7F6-B498-43B3-948B-1728B52AA6E4}">
+                <adec:decorative xmlns:adec="http://schemas.microsoft.com/office/drawing/2017/decorative" val="1"/>
+              </a:ext>
+            </a:extLst>
+          </p:cNvPr>
+          <p:cNvSpPr>
+            <a:spLocks noGrp="1" noRot="1" noChangeAspect="1" noMove="1" noResize="1" noEditPoints="1" noAdjustHandles="1" noChangeArrowheads="1" noChangeShapeType="1" noTextEdit="1"/>
+          </p:cNvSpPr>
+          <p:nvPr>
+            <p:extLst>
+              <p:ext uri="{386F3935-93C4-4BCD-93E2-E3B085C9AB24}">
+                <p16:designElem xmlns:p16="http://schemas.microsoft.com/office/powerpoint/2015/main" val="1"/>
+              </p:ext>
+            </p:extLst>
+          </p:nvPr>
+        </p:nvSpPr>
+        <p:spPr>
+          <a:xfrm>
+            <a:off x="0" y="0"/>
+            <a:ext cx="12192000" cy="6858000"/>
+          </a:xfrm>
+          <a:prstGeom prst="rect">
+            <a:avLst/>
+          </a:prstGeom>
+          <a:ln>
+            <a:noFill/>
+          </a:ln>
+        </p:spPr>
+        <p:style>
+          <a:lnRef idx="2">
+            <a:schemeClr val="accent1">
+              <a:shade val="50000"/>
+            </a:schemeClr>
+          </a:lnRef>
+          <a:fillRef idx="1">
+            <a:schemeClr val="accent1"/>
+          </a:fillRef>
+          <a:effectRef idx="0">
+            <a:schemeClr val="accent1"/>
+          </a:effectRef>
+          <a:fontRef idx="minor">
+            <a:schemeClr val="lt1"/>
+          </a:fontRef>
+        </p:style>
+        <p:txBody>
+          <a:bodyPr rtlCol="0" anchor="ctr"/>
+          <a:lstStyle/>
+          <a:p>
+            <a:pPr algn="ctr"/>
+            <a:endParaRPr lang="en-US"/>
+          </a:p>
+        </p:txBody>
+      </p:sp>
+      <p:sp>
+        <p:nvSpPr>
+          <p:cNvPr id="2" name="Title 1">
+            <a:extLst>
+              <a:ext uri="{FF2B5EF4-FFF2-40B4-BE49-F238E27FC236}">
+                <a16:creationId xmlns:a16="http://schemas.microsoft.com/office/drawing/2014/main" id="{A770A278-1453-B300-4413-9868E8FD6C7E}"/>
+              </a:ext>
+            </a:extLst>
+          </p:cNvPr>
+          <p:cNvSpPr>
+            <a:spLocks noGrp="1"/>
+          </p:cNvSpPr>
+          <p:nvPr>
+            <p:ph type="title"/>
+          </p:nvPr>
+        </p:nvSpPr>
+        <p:spPr>
+          <a:xfrm>
+            <a:off x="638882" y="639193"/>
+            <a:ext cx="3571810" cy="3573516"/>
+          </a:xfrm>
+        </p:spPr>
+        <p:txBody>
+          <a:bodyPr vert="horz" lIns="91440" tIns="45720" rIns="91440" bIns="45720" rtlCol="0" anchor="b">
+            <a:normAutofit/>
+          </a:bodyPr>
+          <a:lstStyle/>
+          <a:p>
+            <a:r>
+              <a:rPr lang="en-US" sz="3600" kern="1200">
+                <a:solidFill>
+                  <a:schemeClr val="tx1"/>
+                </a:solidFill>
+                <a:latin typeface="+mj-lt"/>
+                <a:ea typeface="+mj-ea"/>
+                <a:cs typeface="+mj-cs"/>
+              </a:rPr>
+              <a:t>Ammonia and ASU production relatively constant with H2 direct from EY, then drops off w/ REs</a:t>
+            </a:r>
+          </a:p>
+        </p:txBody>
+      </p:sp>
+      <p:sp>
+        <p:nvSpPr>
+          <p:cNvPr id="73" name="sketch line">
+            <a:extLst>
+              <a:ext uri="{FF2B5EF4-FFF2-40B4-BE49-F238E27FC236}">
+                <a16:creationId xmlns:a16="http://schemas.microsoft.com/office/drawing/2014/main" id="{3FCFB1DE-0B7E-48CC-BA90-B2AB0889F9D6}"/>
+              </a:ext>
+              <a:ext uri="{C183D7F6-B498-43B3-948B-1728B52AA6E4}">
+                <adec:decorative xmlns:adec="http://schemas.microsoft.com/office/drawing/2017/decorative" val="1"/>
+              </a:ext>
+            </a:extLst>
+          </p:cNvPr>
+          <p:cNvSpPr>
+            <a:spLocks noGrp="1" noRot="1" noChangeAspect="1" noMove="1" noResize="1" noEditPoints="1" noAdjustHandles="1" noChangeArrowheads="1" noChangeShapeType="1" noTextEdit="1"/>
+          </p:cNvSpPr>
+          <p:nvPr>
+            <p:extLst>
+              <p:ext uri="{386F3935-93C4-4BCD-93E2-E3B085C9AB24}">
+                <p16:designElem xmlns:p16="http://schemas.microsoft.com/office/powerpoint/2015/main" val="1"/>
+              </p:ext>
+            </p:extLst>
+          </p:nvPr>
+        </p:nvSpPr>
+        <p:spPr>
+          <a:xfrm>
+            <a:off x="643278" y="4409267"/>
+            <a:ext cx="3255095" cy="18288"/>
+          </a:xfrm>
+          <a:custGeom>
+            <a:avLst/>
+            <a:gdLst>
+              <a:gd name="connsiteX0" fmla="*/ 0 w 3255095"/>
+              <a:gd name="connsiteY0" fmla="*/ 0 h 18288"/>
+              <a:gd name="connsiteX1" fmla="*/ 618468 w 3255095"/>
+              <a:gd name="connsiteY1" fmla="*/ 0 h 18288"/>
+              <a:gd name="connsiteX2" fmla="*/ 1269487 w 3255095"/>
+              <a:gd name="connsiteY2" fmla="*/ 0 h 18288"/>
+              <a:gd name="connsiteX3" fmla="*/ 1953057 w 3255095"/>
+              <a:gd name="connsiteY3" fmla="*/ 0 h 18288"/>
+              <a:gd name="connsiteX4" fmla="*/ 2636627 w 3255095"/>
+              <a:gd name="connsiteY4" fmla="*/ 0 h 18288"/>
+              <a:gd name="connsiteX5" fmla="*/ 3255095 w 3255095"/>
+              <a:gd name="connsiteY5" fmla="*/ 0 h 18288"/>
+              <a:gd name="connsiteX6" fmla="*/ 3255095 w 3255095"/>
+              <a:gd name="connsiteY6" fmla="*/ 18288 h 18288"/>
+              <a:gd name="connsiteX7" fmla="*/ 2538974 w 3255095"/>
+              <a:gd name="connsiteY7" fmla="*/ 18288 h 18288"/>
+              <a:gd name="connsiteX8" fmla="*/ 1822853 w 3255095"/>
+              <a:gd name="connsiteY8" fmla="*/ 18288 h 18288"/>
+              <a:gd name="connsiteX9" fmla="*/ 1171834 w 3255095"/>
+              <a:gd name="connsiteY9" fmla="*/ 18288 h 18288"/>
+              <a:gd name="connsiteX10" fmla="*/ 0 w 3255095"/>
+              <a:gd name="connsiteY10" fmla="*/ 18288 h 18288"/>
+              <a:gd name="connsiteX11" fmla="*/ 0 w 3255095"/>
+              <a:gd name="connsiteY11" fmla="*/ 0 h 18288"/>
+            </a:gdLst>
+            <a:ahLst/>
+            <a:cxnLst>
+              <a:cxn ang="0">
+                <a:pos x="connsiteX0" y="connsiteY0"/>
+              </a:cxn>
+              <a:cxn ang="0">
+                <a:pos x="connsiteX1" y="connsiteY1"/>
+              </a:cxn>
+              <a:cxn ang="0">
+                <a:pos x="connsiteX2" y="connsiteY2"/>
+              </a:cxn>
+              <a:cxn ang="0">
+                <a:pos x="connsiteX3" y="connsiteY3"/>
+              </a:cxn>
+              <a:cxn ang="0">
+                <a:pos x="connsiteX4" y="connsiteY4"/>
+              </a:cxn>
+              <a:cxn ang="0">
+                <a:pos x="connsiteX5" y="connsiteY5"/>
+              </a:cxn>
+              <a:cxn ang="0">
+                <a:pos x="connsiteX6" y="connsiteY6"/>
+              </a:cxn>
+              <a:cxn ang="0">
+                <a:pos x="connsiteX7" y="connsiteY7"/>
+              </a:cxn>
+              <a:cxn ang="0">
+                <a:pos x="connsiteX8" y="connsiteY8"/>
+              </a:cxn>
+              <a:cxn ang="0">
+                <a:pos x="connsiteX9" y="connsiteY9"/>
+              </a:cxn>
+              <a:cxn ang="0">
+                <a:pos x="connsiteX10" y="connsiteY10"/>
+              </a:cxn>
+              <a:cxn ang="0">
+                <a:pos x="connsiteX11" y="connsiteY11"/>
+              </a:cxn>
+            </a:cxnLst>
+            <a:rect l="l" t="t" r="r" b="b"/>
+            <a:pathLst>
+              <a:path w="3255095" h="18288" fill="none" extrusionOk="0">
+                <a:moveTo>
+                  <a:pt x="0" y="0"/>
+                </a:moveTo>
+                <a:cubicBezTo>
+                  <a:pt x="240201" y="-22123"/>
+                  <a:pt x="462021" y="-19623"/>
+                  <a:pt x="618468" y="0"/>
+                </a:cubicBezTo>
+                <a:cubicBezTo>
+                  <a:pt x="774915" y="19623"/>
+                  <a:pt x="974734" y="2035"/>
+                  <a:pt x="1269487" y="0"/>
+                </a:cubicBezTo>
+                <a:cubicBezTo>
+                  <a:pt x="1564240" y="-2035"/>
+                  <a:pt x="1733579" y="10639"/>
+                  <a:pt x="1953057" y="0"/>
+                </a:cubicBezTo>
+                <a:cubicBezTo>
+                  <a:pt x="2172535" y="-10639"/>
+                  <a:pt x="2453962" y="14018"/>
+                  <a:pt x="2636627" y="0"/>
+                </a:cubicBezTo>
+                <a:cubicBezTo>
+                  <a:pt x="2819292" y="-14018"/>
+                  <a:pt x="3121375" y="5399"/>
+                  <a:pt x="3255095" y="0"/>
+                </a:cubicBezTo>
+                <a:cubicBezTo>
+                  <a:pt x="3254386" y="8157"/>
+                  <a:pt x="3254682" y="12125"/>
+                  <a:pt x="3255095" y="18288"/>
+                </a:cubicBezTo>
+                <a:cubicBezTo>
+                  <a:pt x="3088545" y="23203"/>
+                  <a:pt x="2687475" y="7419"/>
+                  <a:pt x="2538974" y="18288"/>
+                </a:cubicBezTo>
+                <a:cubicBezTo>
+                  <a:pt x="2390473" y="29157"/>
+                  <a:pt x="2137381" y="-8959"/>
+                  <a:pt x="1822853" y="18288"/>
+                </a:cubicBezTo>
+                <a:cubicBezTo>
+                  <a:pt x="1508325" y="45535"/>
+                  <a:pt x="1466437" y="20385"/>
+                  <a:pt x="1171834" y="18288"/>
+                </a:cubicBezTo>
+                <a:cubicBezTo>
+                  <a:pt x="877231" y="16191"/>
+                  <a:pt x="561097" y="37643"/>
+                  <a:pt x="0" y="18288"/>
+                </a:cubicBezTo>
+                <a:cubicBezTo>
+                  <a:pt x="-46" y="12483"/>
+                  <a:pt x="-203" y="6491"/>
+                  <a:pt x="0" y="0"/>
+                </a:cubicBezTo>
+                <a:close/>
+              </a:path>
+              <a:path w="3255095" h="18288" stroke="0" extrusionOk="0">
+                <a:moveTo>
+                  <a:pt x="0" y="0"/>
+                </a:moveTo>
+                <a:cubicBezTo>
+                  <a:pt x="291965" y="19429"/>
+                  <a:pt x="363155" y="8568"/>
+                  <a:pt x="618468" y="0"/>
+                </a:cubicBezTo>
+                <a:cubicBezTo>
+                  <a:pt x="873781" y="-8568"/>
+                  <a:pt x="904459" y="-19505"/>
+                  <a:pt x="1171834" y="0"/>
+                </a:cubicBezTo>
+                <a:cubicBezTo>
+                  <a:pt x="1439209" y="19505"/>
+                  <a:pt x="1744369" y="9790"/>
+                  <a:pt x="1887955" y="0"/>
+                </a:cubicBezTo>
+                <a:cubicBezTo>
+                  <a:pt x="2031541" y="-9790"/>
+                  <a:pt x="2346378" y="21240"/>
+                  <a:pt x="2506423" y="0"/>
+                </a:cubicBezTo>
+                <a:cubicBezTo>
+                  <a:pt x="2666468" y="-21240"/>
+                  <a:pt x="2990257" y="30414"/>
+                  <a:pt x="3255095" y="0"/>
+                </a:cubicBezTo>
+                <a:cubicBezTo>
+                  <a:pt x="3254831" y="4493"/>
+                  <a:pt x="3255479" y="9472"/>
+                  <a:pt x="3255095" y="18288"/>
+                </a:cubicBezTo>
+                <a:cubicBezTo>
+                  <a:pt x="3120743" y="16690"/>
+                  <a:pt x="2759628" y="42462"/>
+                  <a:pt x="2604076" y="18288"/>
+                </a:cubicBezTo>
+                <a:cubicBezTo>
+                  <a:pt x="2448524" y="-5886"/>
+                  <a:pt x="2184336" y="19599"/>
+                  <a:pt x="1887955" y="18288"/>
+                </a:cubicBezTo>
+                <a:cubicBezTo>
+                  <a:pt x="1591574" y="16977"/>
+                  <a:pt x="1548845" y="6870"/>
+                  <a:pt x="1334589" y="18288"/>
+                </a:cubicBezTo>
+                <a:cubicBezTo>
+                  <a:pt x="1120333" y="29706"/>
+                  <a:pt x="996014" y="9662"/>
+                  <a:pt x="683570" y="18288"/>
+                </a:cubicBezTo>
+                <a:cubicBezTo>
+                  <a:pt x="371126" y="26914"/>
+                  <a:pt x="198687" y="16167"/>
+                  <a:pt x="0" y="18288"/>
+                </a:cubicBezTo>
+                <a:cubicBezTo>
+                  <a:pt x="843" y="9577"/>
+                  <a:pt x="371" y="6900"/>
+                  <a:pt x="0" y="0"/>
+                </a:cubicBezTo>
+                <a:close/>
+              </a:path>
+            </a:pathLst>
+          </a:custGeom>
+          <a:solidFill>
+            <a:schemeClr val="accent2"/>
+          </a:solidFill>
+          <a:ln w="38100" cap="rnd">
+            <a:solidFill>
+              <a:schemeClr val="accent2"/>
+            </a:solidFill>
+            <a:round/>
+            <a:extLst>
+              <a:ext uri="{C807C97D-BFC1-408E-A445-0C87EB9F89A2}">
+                <ask:lineSketchStyleProps xmlns:ask="http://schemas.microsoft.com/office/drawing/2018/sketchyshapes" sd="1219033472">
+                  <a:prstGeom prst="rect">
+                    <a:avLst/>
+                  </a:prstGeom>
+                  <ask:type>
+                    <ask:lineSketchFreehand/>
+                  </ask:type>
+                </ask:lineSketchStyleProps>
+              </a:ext>
+            </a:extLst>
+          </a:ln>
+        </p:spPr>
+        <p:style>
+          <a:lnRef idx="2">
+            <a:schemeClr val="accent1">
+              <a:shade val="50000"/>
+            </a:schemeClr>
+          </a:lnRef>
+          <a:fillRef idx="1">
+            <a:schemeClr val="accent1"/>
+          </a:fillRef>
+          <a:effectRef idx="0">
+            <a:schemeClr val="accent1"/>
+          </a:effectRef>
+          <a:fontRef idx="minor">
+            <a:schemeClr val="lt1"/>
+          </a:fontRef>
+        </p:style>
+        <p:txBody>
+          <a:bodyPr rtlCol="0" anchor="ctr"/>
+          <a:lstStyle/>
+          <a:p>
+            <a:pPr algn="ctr"/>
+            <a:endParaRPr lang="en-US"/>
+          </a:p>
+        </p:txBody>
+      </p:sp>
+      <p:pic>
+        <p:nvPicPr>
+          <p:cNvPr id="5122" name="Picture 2">
+            <a:extLst>
+              <a:ext uri="{FF2B5EF4-FFF2-40B4-BE49-F238E27FC236}">
+                <a16:creationId xmlns:a16="http://schemas.microsoft.com/office/drawing/2014/main" id="{3A12700E-27E2-AF66-460E-1A4AA4F53694}"/>
+              </a:ext>
+            </a:extLst>
+          </p:cNvPr>
+          <p:cNvPicPr>
+            <a:picLocks noChangeAspect="1" noChangeArrowheads="1"/>
+          </p:cNvPicPr>
+          <p:nvPr/>
+        </p:nvPicPr>
+        <p:blipFill>
+          <a:blip r:embed="rId2">
+            <a:extLst>
+              <a:ext uri="{28A0092B-C50C-407E-A947-70E740481C1C}">
+                <a14:useLocalDpi xmlns:a14="http://schemas.microsoft.com/office/drawing/2010/main" val="0"/>
+              </a:ext>
+            </a:extLst>
+          </a:blip>
+          <a:stretch>
+            <a:fillRect/>
+          </a:stretch>
+        </p:blipFill>
+        <p:spPr bwMode="auto">
+          <a:xfrm>
+            <a:off x="4654296" y="1070534"/>
+            <a:ext cx="7214616" cy="4689499"/>
+          </a:xfrm>
+          <a:prstGeom prst="rect">
+            <a:avLst/>
+          </a:prstGeom>
+          <a:noFill/>
+          <a:extLst>
+            <a:ext uri="{909E8E84-426E-40DD-AFC4-6F175D3DCCD1}">
+              <a14:hiddenFill xmlns:a14="http://schemas.microsoft.com/office/drawing/2010/main">
+                <a:solidFill>
+                  <a:srgbClr val="FFFFFF"/>
+                </a:solidFill>
+              </a14:hiddenFill>
+            </a:ext>
+          </a:extLst>
+        </p:spPr>
+      </p:pic>
+      <p:sp>
+        <p:nvSpPr>
+          <p:cNvPr id="4" name="Slide Number Placeholder 3">
+            <a:extLst>
+              <a:ext uri="{FF2B5EF4-FFF2-40B4-BE49-F238E27FC236}">
+                <a16:creationId xmlns:a16="http://schemas.microsoft.com/office/drawing/2014/main" id="{A976C953-6C3B-7437-982C-08C7B4D60C3A}"/>
+              </a:ext>
+            </a:extLst>
+          </p:cNvPr>
+          <p:cNvSpPr>
+            <a:spLocks noGrp="1"/>
+          </p:cNvSpPr>
+          <p:nvPr>
+            <p:ph type="sldNum" sz="quarter" idx="12"/>
+          </p:nvPr>
+        </p:nvSpPr>
+        <p:spPr>
+          <a:xfrm>
+            <a:off x="8610600" y="6356350"/>
+            <a:ext cx="2743200" cy="365125"/>
+          </a:xfrm>
+        </p:spPr>
+        <p:txBody>
+          <a:bodyPr vert="horz" lIns="91440" tIns="45720" rIns="91440" bIns="45720" rtlCol="0" anchor="ctr">
+            <a:normAutofit/>
+          </a:bodyPr>
+          <a:lstStyle/>
+          <a:p>
+            <a:pPr>
+              <a:spcAft>
+                <a:spcPts val="600"/>
+              </a:spcAft>
+            </a:pPr>
+            <a:fld id="{EA503B31-CC2D-419F-B325-05543D31F82E}" type="slidenum">
+              <a:rPr lang="en-US" smtClean="0"/>
+              <a:pPr>
+                <a:spcAft>
+                  <a:spcPts val="600"/>
+                </a:spcAft>
+              </a:pPr>
+              <a:t>8</a:t>
+            </a:fld>
+            <a:endParaRPr lang="en-US"/>
+          </a:p>
+        </p:txBody>
+      </p:sp>
+    </p:spTree>
+    <p:extLst>
+      <p:ext uri="{BB962C8B-B14F-4D97-AF65-F5344CB8AC3E}">
+        <p14:creationId xmlns:p14="http://schemas.microsoft.com/office/powerpoint/2010/main" val="138314218"/>
+      </p:ext>
+    </p:extLst>
+  </p:cSld>
+  <p:clrMapOvr>
+    <a:masterClrMapping/>
+  </p:clrMapOvr>
+</p:sld>
+</file>
+
+<file path=ppt/slides/slide9.xml><?xml version="1.0" encoding="utf-8"?>
+<p:sld xmlns:a="http://schemas.openxmlformats.org/drawingml/2006/main" xmlns:r="http://schemas.openxmlformats.org/officeDocument/2006/relationships" xmlns:p="http://schemas.openxmlformats.org/presentationml/2006/main">
+  <p:cSld>
+    <p:bg>
+      <p:bgPr>
+        <a:solidFill>
+          <a:schemeClr val="bg1"/>
+        </a:solidFill>
+        <a:effectLst/>
+      </p:bgPr>
+    </p:bg>
+    <p:spTree>
+      <p:nvGrpSpPr>
+        <p:cNvPr id="1" name=""/>
+        <p:cNvGrpSpPr/>
+        <p:nvPr/>
+      </p:nvGrpSpPr>
+      <p:grpSpPr>
+        <a:xfrm>
+          <a:off x="0" y="0"/>
+          <a:ext cx="0" cy="0"/>
+          <a:chOff x="0" y="0"/>
+          <a:chExt cx="0" cy="0"/>
+        </a:xfrm>
+      </p:grpSpPr>
+      <p:sp useBgFill="1">
+        <p:nvSpPr>
+          <p:cNvPr id="17" name="Rectangle 8">
+            <a:extLst>
+              <a:ext uri="{FF2B5EF4-FFF2-40B4-BE49-F238E27FC236}">
+                <a16:creationId xmlns:a16="http://schemas.microsoft.com/office/drawing/2014/main" id="{100EDD19-6802-4EC3-95CE-CFFAB042CFD6}"/>
+              </a:ext>
+              <a:ext uri="{C183D7F6-B498-43B3-948B-1728B52AA6E4}">
+                <adec:decorative xmlns:adec="http://schemas.microsoft.com/office/drawing/2017/decorative" val="1"/>
+              </a:ext>
+            </a:extLst>
+          </p:cNvPr>
+          <p:cNvSpPr>
+            <a:spLocks noGrp="1" noRot="1" noChangeAspect="1" noMove="1" noResize="1" noEditPoints="1" noAdjustHandles="1" noChangeArrowheads="1" noChangeShapeType="1" noTextEdit="1"/>
+          </p:cNvSpPr>
+          <p:nvPr>
+            <p:extLst>
+              <p:ext uri="{386F3935-93C4-4BCD-93E2-E3B085C9AB24}">
+                <p16:designElem xmlns:p16="http://schemas.microsoft.com/office/powerpoint/2015/main" val="1"/>
+              </p:ext>
+            </p:extLst>
+          </p:nvPr>
+        </p:nvSpPr>
+        <p:spPr>
+          <a:xfrm>
+            <a:off x="0" y="0"/>
+            <a:ext cx="12188952" cy="6858000"/>
+          </a:xfrm>
+          <a:prstGeom prst="rect">
+            <a:avLst/>
+          </a:prstGeom>
+          <a:ln>
+            <a:noFill/>
+          </a:ln>
+        </p:spPr>
+        <p:style>
+          <a:lnRef idx="2">
+            <a:schemeClr val="accent1">
+              <a:shade val="50000"/>
+            </a:schemeClr>
+          </a:lnRef>
+          <a:fillRef idx="1">
+            <a:schemeClr val="accent1"/>
+          </a:fillRef>
+          <a:effectRef idx="0">
+            <a:schemeClr val="accent1"/>
+          </a:effectRef>
+          <a:fontRef idx="minor">
+            <a:schemeClr val="lt1"/>
+          </a:fontRef>
+        </p:style>
+        <p:txBody>
+          <a:bodyPr rtlCol="0" anchor="ctr"/>
+          <a:lstStyle/>
+          <a:p>
+            <a:pPr algn="ctr"/>
+            <a:endParaRPr lang="en-US"/>
+          </a:p>
+        </p:txBody>
+      </p:sp>
+      <p:sp>
+        <p:nvSpPr>
+          <p:cNvPr id="2" name="Title 1">
+            <a:extLst>
+              <a:ext uri="{FF2B5EF4-FFF2-40B4-BE49-F238E27FC236}">
+                <a16:creationId xmlns:a16="http://schemas.microsoft.com/office/drawing/2014/main" id="{C095A8CC-3DA2-8C27-077A-82CAC91E84F5}"/>
+              </a:ext>
+            </a:extLst>
+          </p:cNvPr>
+          <p:cNvSpPr>
+            <a:spLocks noGrp="1"/>
+          </p:cNvSpPr>
+          <p:nvPr>
+            <p:ph type="title"/>
+          </p:nvPr>
+        </p:nvSpPr>
+        <p:spPr>
+          <a:xfrm>
+            <a:off x="838200" y="365125"/>
+            <a:ext cx="10515600" cy="1325563"/>
+          </a:xfrm>
+        </p:spPr>
+        <p:txBody>
+          <a:bodyPr>
+            <a:normAutofit/>
+          </a:bodyPr>
+          <a:lstStyle/>
+          <a:p>
+            <a:r>
+              <a:rPr lang="en-US" sz="5400"/>
+              <a:t>Next Steps</a:t>
+            </a:r>
+          </a:p>
+        </p:txBody>
+      </p:sp>
+      <p:sp>
+        <p:nvSpPr>
+          <p:cNvPr id="18" name="sketch line">
+            <a:extLst>
+              <a:ext uri="{FF2B5EF4-FFF2-40B4-BE49-F238E27FC236}">
+                <a16:creationId xmlns:a16="http://schemas.microsoft.com/office/drawing/2014/main" id="{DB17E863-922E-4C26-BD64-E8FD41D28661}"/>
+              </a:ext>
+              <a:ext uri="{C183D7F6-B498-43B3-948B-1728B52AA6E4}">
+                <adec:decorative xmlns:adec="http://schemas.microsoft.com/office/drawing/2017/decorative" val="1"/>
+              </a:ext>
+            </a:extLst>
+          </p:cNvPr>
+          <p:cNvSpPr>
+            <a:spLocks noGrp="1" noRot="1" noChangeAspect="1" noMove="1" noResize="1" noEditPoints="1" noAdjustHandles="1" noChangeArrowheads="1" noChangeShapeType="1" noTextEdit="1"/>
+          </p:cNvSpPr>
+          <p:nvPr>
+            <p:extLst>
+              <p:ext uri="{386F3935-93C4-4BCD-93E2-E3B085C9AB24}">
+                <p16:designElem xmlns:p16="http://schemas.microsoft.com/office/powerpoint/2015/main" val="1"/>
+              </p:ext>
+            </p:extLst>
+          </p:nvPr>
+        </p:nvSpPr>
+        <p:spPr>
+          <a:xfrm>
+            <a:off x="669036" y="1677373"/>
+            <a:ext cx="10853928" cy="18288"/>
+          </a:xfrm>
+          <a:custGeom>
+            <a:avLst/>
+            <a:gdLst>
+              <a:gd name="connsiteX0" fmla="*/ 0 w 10853928"/>
+              <a:gd name="connsiteY0" fmla="*/ 0 h 18288"/>
+              <a:gd name="connsiteX1" fmla="*/ 461292 w 10853928"/>
+              <a:gd name="connsiteY1" fmla="*/ 0 h 18288"/>
+              <a:gd name="connsiteX2" fmla="*/ 1139662 w 10853928"/>
+              <a:gd name="connsiteY2" fmla="*/ 0 h 18288"/>
+              <a:gd name="connsiteX3" fmla="*/ 1926572 w 10853928"/>
+              <a:gd name="connsiteY3" fmla="*/ 0 h 18288"/>
+              <a:gd name="connsiteX4" fmla="*/ 2279325 w 10853928"/>
+              <a:gd name="connsiteY4" fmla="*/ 0 h 18288"/>
+              <a:gd name="connsiteX5" fmla="*/ 2632078 w 10853928"/>
+              <a:gd name="connsiteY5" fmla="*/ 0 h 18288"/>
+              <a:gd name="connsiteX6" fmla="*/ 3527527 w 10853928"/>
+              <a:gd name="connsiteY6" fmla="*/ 0 h 18288"/>
+              <a:gd name="connsiteX7" fmla="*/ 4205897 w 10853928"/>
+              <a:gd name="connsiteY7" fmla="*/ 0 h 18288"/>
+              <a:gd name="connsiteX8" fmla="*/ 4558650 w 10853928"/>
+              <a:gd name="connsiteY8" fmla="*/ 0 h 18288"/>
+              <a:gd name="connsiteX9" fmla="*/ 5237020 w 10853928"/>
+              <a:gd name="connsiteY9" fmla="*/ 0 h 18288"/>
+              <a:gd name="connsiteX10" fmla="*/ 6132469 w 10853928"/>
+              <a:gd name="connsiteY10" fmla="*/ 0 h 18288"/>
+              <a:gd name="connsiteX11" fmla="*/ 6702301 w 10853928"/>
+              <a:gd name="connsiteY11" fmla="*/ 0 h 18288"/>
+              <a:gd name="connsiteX12" fmla="*/ 7272132 w 10853928"/>
+              <a:gd name="connsiteY12" fmla="*/ 0 h 18288"/>
+              <a:gd name="connsiteX13" fmla="*/ 7950502 w 10853928"/>
+              <a:gd name="connsiteY13" fmla="*/ 0 h 18288"/>
+              <a:gd name="connsiteX14" fmla="*/ 8737412 w 10853928"/>
+              <a:gd name="connsiteY14" fmla="*/ 0 h 18288"/>
+              <a:gd name="connsiteX15" fmla="*/ 9524322 w 10853928"/>
+              <a:gd name="connsiteY15" fmla="*/ 0 h 18288"/>
+              <a:gd name="connsiteX16" fmla="*/ 10853928 w 10853928"/>
+              <a:gd name="connsiteY16" fmla="*/ 0 h 18288"/>
+              <a:gd name="connsiteX17" fmla="*/ 10853928 w 10853928"/>
+              <a:gd name="connsiteY17" fmla="*/ 18288 h 18288"/>
+              <a:gd name="connsiteX18" fmla="*/ 10392636 w 10853928"/>
+              <a:gd name="connsiteY18" fmla="*/ 18288 h 18288"/>
+              <a:gd name="connsiteX19" fmla="*/ 9497187 w 10853928"/>
+              <a:gd name="connsiteY19" fmla="*/ 18288 h 18288"/>
+              <a:gd name="connsiteX20" fmla="*/ 8818817 w 10853928"/>
+              <a:gd name="connsiteY20" fmla="*/ 18288 h 18288"/>
+              <a:gd name="connsiteX21" fmla="*/ 8466064 w 10853928"/>
+              <a:gd name="connsiteY21" fmla="*/ 18288 h 18288"/>
+              <a:gd name="connsiteX22" fmla="*/ 7787693 w 10853928"/>
+              <a:gd name="connsiteY22" fmla="*/ 18288 h 18288"/>
+              <a:gd name="connsiteX23" fmla="*/ 7217862 w 10853928"/>
+              <a:gd name="connsiteY23" fmla="*/ 18288 h 18288"/>
+              <a:gd name="connsiteX24" fmla="*/ 6648031 w 10853928"/>
+              <a:gd name="connsiteY24" fmla="*/ 18288 h 18288"/>
+              <a:gd name="connsiteX25" fmla="*/ 6078200 w 10853928"/>
+              <a:gd name="connsiteY25" fmla="*/ 18288 h 18288"/>
+              <a:gd name="connsiteX26" fmla="*/ 5508368 w 10853928"/>
+              <a:gd name="connsiteY26" fmla="*/ 18288 h 18288"/>
+              <a:gd name="connsiteX27" fmla="*/ 4721459 w 10853928"/>
+              <a:gd name="connsiteY27" fmla="*/ 18288 h 18288"/>
+              <a:gd name="connsiteX28" fmla="*/ 4043088 w 10853928"/>
+              <a:gd name="connsiteY28" fmla="*/ 18288 h 18288"/>
+              <a:gd name="connsiteX29" fmla="*/ 3690336 w 10853928"/>
+              <a:gd name="connsiteY29" fmla="*/ 18288 h 18288"/>
+              <a:gd name="connsiteX30" fmla="*/ 3120504 w 10853928"/>
+              <a:gd name="connsiteY30" fmla="*/ 18288 h 18288"/>
+              <a:gd name="connsiteX31" fmla="*/ 2333595 w 10853928"/>
+              <a:gd name="connsiteY31" fmla="*/ 18288 h 18288"/>
+              <a:gd name="connsiteX32" fmla="*/ 1872303 w 10853928"/>
+              <a:gd name="connsiteY32" fmla="*/ 18288 h 18288"/>
+              <a:gd name="connsiteX33" fmla="*/ 976854 w 10853928"/>
+              <a:gd name="connsiteY33" fmla="*/ 18288 h 18288"/>
+              <a:gd name="connsiteX34" fmla="*/ 0 w 10853928"/>
+              <a:gd name="connsiteY34" fmla="*/ 18288 h 18288"/>
+              <a:gd name="connsiteX35" fmla="*/ 0 w 10853928"/>
+              <a:gd name="connsiteY35" fmla="*/ 0 h 18288"/>
+            </a:gdLst>
+            <a:ahLst/>
+            <a:cxnLst>
+              <a:cxn ang="0">
+                <a:pos x="connsiteX0" y="connsiteY0"/>
+              </a:cxn>
+              <a:cxn ang="0">
+                <a:pos x="connsiteX1" y="connsiteY1"/>
+              </a:cxn>
+              <a:cxn ang="0">
+                <a:pos x="connsiteX2" y="connsiteY2"/>
+              </a:cxn>
+              <a:cxn ang="0">
+                <a:pos x="connsiteX3" y="connsiteY3"/>
+              </a:cxn>
+              <a:cxn ang="0">
+                <a:pos x="connsiteX4" y="connsiteY4"/>
+              </a:cxn>
+              <a:cxn ang="0">
+                <a:pos x="connsiteX5" y="connsiteY5"/>
+              </a:cxn>
+              <a:cxn ang="0">
+                <a:pos x="connsiteX6" y="connsiteY6"/>
+              </a:cxn>
+              <a:cxn ang="0">
+                <a:pos x="connsiteX7" y="connsiteY7"/>
+              </a:cxn>
+              <a:cxn ang="0">
+                <a:pos x="connsiteX8" y="connsiteY8"/>
+              </a:cxn>
+              <a:cxn ang="0">
+                <a:pos x="connsiteX9" y="connsiteY9"/>
+              </a:cxn>
+              <a:cxn ang="0">
+                <a:pos x="connsiteX10" y="connsiteY10"/>
+              </a:cxn>
+              <a:cxn ang="0">
+                <a:pos x="connsiteX11" y="connsiteY11"/>
+              </a:cxn>
+              <a:cxn ang="0">
+                <a:pos x="connsiteX12" y="connsiteY12"/>
+              </a:cxn>
+              <a:cxn ang="0">
+                <a:pos x="connsiteX13" y="connsiteY13"/>
+              </a:cxn>
+              <a:cxn ang="0">
+                <a:pos x="connsiteX14" y="connsiteY14"/>
+              </a:cxn>
+              <a:cxn ang="0">
+                <a:pos x="connsiteX15" y="connsiteY15"/>
+              </a:cxn>
+              <a:cxn ang="0">
+                <a:pos x="connsiteX16" y="connsiteY16"/>
+              </a:cxn>
+              <a:cxn ang="0">
+                <a:pos x="connsiteX17" y="connsiteY17"/>
+              </a:cxn>
+              <a:cxn ang="0">
+                <a:pos x="connsiteX18" y="connsiteY18"/>
+              </a:cxn>
+              <a:cxn ang="0">
+                <a:pos x="connsiteX19" y="connsiteY19"/>
+              </a:cxn>
+              <a:cxn ang="0">
+                <a:pos x="connsiteX20" y="connsiteY20"/>
+              </a:cxn>
+              <a:cxn ang="0">
+                <a:pos x="connsiteX21" y="connsiteY21"/>
+              </a:cxn>
+              <a:cxn ang="0">
+                <a:pos x="connsiteX22" y="connsiteY22"/>
+              </a:cxn>
+              <a:cxn ang="0">
+                <a:pos x="connsiteX23" y="connsiteY23"/>
+              </a:cxn>
+              <a:cxn ang="0">
+                <a:pos x="connsiteX24" y="connsiteY24"/>
+              </a:cxn>
+              <a:cxn ang="0">
+                <a:pos x="connsiteX25" y="connsiteY25"/>
+              </a:cxn>
+              <a:cxn ang="0">
+                <a:pos x="connsiteX26" y="connsiteY26"/>
+              </a:cxn>
+              <a:cxn ang="0">
+                <a:pos x="connsiteX27" y="connsiteY27"/>
+              </a:cxn>
+              <a:cxn ang="0">
+                <a:pos x="connsiteX28" y="connsiteY28"/>
+              </a:cxn>
+              <a:cxn ang="0">
+                <a:pos x="connsiteX29" y="connsiteY29"/>
+              </a:cxn>
+              <a:cxn ang="0">
+                <a:pos x="connsiteX30" y="connsiteY30"/>
+              </a:cxn>
+              <a:cxn ang="0">
+                <a:pos x="connsiteX31" y="connsiteY31"/>
+              </a:cxn>
+              <a:cxn ang="0">
+                <a:pos x="connsiteX32" y="connsiteY32"/>
+              </a:cxn>
+              <a:cxn ang="0">
+                <a:pos x="connsiteX33" y="connsiteY33"/>
+              </a:cxn>
+              <a:cxn ang="0">
+                <a:pos x="connsiteX34" y="connsiteY34"/>
+              </a:cxn>
+              <a:cxn ang="0">
+                <a:pos x="connsiteX35" y="connsiteY35"/>
+              </a:cxn>
+            </a:cxnLst>
+            <a:rect l="l" t="t" r="r" b="b"/>
+            <a:pathLst>
+              <a:path w="10853928" h="18288" fill="none" extrusionOk="0">
+                <a:moveTo>
+                  <a:pt x="0" y="0"/>
+                </a:moveTo>
+                <a:cubicBezTo>
+                  <a:pt x="146993" y="-19076"/>
+                  <a:pt x="347684" y="-4790"/>
+                  <a:pt x="461292" y="0"/>
+                </a:cubicBezTo>
+                <a:cubicBezTo>
+                  <a:pt x="574900" y="4790"/>
+                  <a:pt x="808367" y="19821"/>
+                  <a:pt x="1139662" y="0"/>
+                </a:cubicBezTo>
+                <a:cubicBezTo>
+                  <a:pt x="1470957" y="-19821"/>
+                  <a:pt x="1627405" y="5721"/>
+                  <a:pt x="1926572" y="0"/>
+                </a:cubicBezTo>
+                <a:cubicBezTo>
+                  <a:pt x="2225739" y="-5721"/>
+                  <a:pt x="2137730" y="-3235"/>
+                  <a:pt x="2279325" y="0"/>
+                </a:cubicBezTo>
+                <a:cubicBezTo>
+                  <a:pt x="2420920" y="3235"/>
+                  <a:pt x="2456518" y="9685"/>
+                  <a:pt x="2632078" y="0"/>
+                </a:cubicBezTo>
+                <a:cubicBezTo>
+                  <a:pt x="2807638" y="-9685"/>
+                  <a:pt x="3211516" y="-43007"/>
+                  <a:pt x="3527527" y="0"/>
+                </a:cubicBezTo>
+                <a:cubicBezTo>
+                  <a:pt x="3843538" y="43007"/>
+                  <a:pt x="4058833" y="22042"/>
+                  <a:pt x="4205897" y="0"/>
+                </a:cubicBezTo>
+                <a:cubicBezTo>
+                  <a:pt x="4352961" y="-22042"/>
+                  <a:pt x="4474805" y="-11846"/>
+                  <a:pt x="4558650" y="0"/>
+                </a:cubicBezTo>
+                <a:cubicBezTo>
+                  <a:pt x="4642495" y="11846"/>
+                  <a:pt x="5041928" y="-6069"/>
+                  <a:pt x="5237020" y="0"/>
+                </a:cubicBezTo>
+                <a:cubicBezTo>
+                  <a:pt x="5432112" y="6069"/>
+                  <a:pt x="5943266" y="-17479"/>
+                  <a:pt x="6132469" y="0"/>
+                </a:cubicBezTo>
+                <a:cubicBezTo>
+                  <a:pt x="6321672" y="17479"/>
+                  <a:pt x="6483872" y="26234"/>
+                  <a:pt x="6702301" y="0"/>
+                </a:cubicBezTo>
+                <a:cubicBezTo>
+                  <a:pt x="6920730" y="-26234"/>
+                  <a:pt x="6991194" y="-15156"/>
+                  <a:pt x="7272132" y="0"/>
+                </a:cubicBezTo>
+                <a:cubicBezTo>
+                  <a:pt x="7553070" y="15156"/>
+                  <a:pt x="7684444" y="-32961"/>
+                  <a:pt x="7950502" y="0"/>
+                </a:cubicBezTo>
+                <a:cubicBezTo>
+                  <a:pt x="8216560" y="32961"/>
+                  <a:pt x="8493290" y="-10491"/>
+                  <a:pt x="8737412" y="0"/>
+                </a:cubicBezTo>
+                <a:cubicBezTo>
+                  <a:pt x="8981534" y="10491"/>
+                  <a:pt x="9191586" y="-13899"/>
+                  <a:pt x="9524322" y="0"/>
+                </a:cubicBezTo>
+                <a:cubicBezTo>
+                  <a:pt x="9857058" y="13899"/>
+                  <a:pt x="10297509" y="7485"/>
+                  <a:pt x="10853928" y="0"/>
+                </a:cubicBezTo>
+                <a:cubicBezTo>
+                  <a:pt x="10854574" y="4451"/>
+                  <a:pt x="10854418" y="9226"/>
+                  <a:pt x="10853928" y="18288"/>
+                </a:cubicBezTo>
+                <a:cubicBezTo>
+                  <a:pt x="10691638" y="28522"/>
+                  <a:pt x="10574319" y="29578"/>
+                  <a:pt x="10392636" y="18288"/>
+                </a:cubicBezTo>
+                <a:cubicBezTo>
+                  <a:pt x="10210953" y="6998"/>
+                  <a:pt x="9836277" y="-16742"/>
+                  <a:pt x="9497187" y="18288"/>
+                </a:cubicBezTo>
+                <a:cubicBezTo>
+                  <a:pt x="9158097" y="53318"/>
+                  <a:pt x="9119479" y="30714"/>
+                  <a:pt x="8818817" y="18288"/>
+                </a:cubicBezTo>
+                <a:cubicBezTo>
+                  <a:pt x="8518155" y="5863"/>
+                  <a:pt x="8640037" y="6483"/>
+                  <a:pt x="8466064" y="18288"/>
+                </a:cubicBezTo>
+                <a:cubicBezTo>
+                  <a:pt x="8292091" y="30093"/>
+                  <a:pt x="7997656" y="18914"/>
+                  <a:pt x="7787693" y="18288"/>
+                </a:cubicBezTo>
+                <a:cubicBezTo>
+                  <a:pt x="7577730" y="17662"/>
+                  <a:pt x="7412468" y="21416"/>
+                  <a:pt x="7217862" y="18288"/>
+                </a:cubicBezTo>
+                <a:cubicBezTo>
+                  <a:pt x="7023256" y="15160"/>
+                  <a:pt x="6898018" y="14824"/>
+                  <a:pt x="6648031" y="18288"/>
+                </a:cubicBezTo>
+                <a:cubicBezTo>
+                  <a:pt x="6398044" y="21752"/>
+                  <a:pt x="6254402" y="38625"/>
+                  <a:pt x="6078200" y="18288"/>
+                </a:cubicBezTo>
+                <a:cubicBezTo>
+                  <a:pt x="5901998" y="-2049"/>
+                  <a:pt x="5622886" y="3213"/>
+                  <a:pt x="5508368" y="18288"/>
+                </a:cubicBezTo>
+                <a:cubicBezTo>
+                  <a:pt x="5393850" y="33363"/>
+                  <a:pt x="5036260" y="26830"/>
+                  <a:pt x="4721459" y="18288"/>
+                </a:cubicBezTo>
+                <a:cubicBezTo>
+                  <a:pt x="4406658" y="9746"/>
+                  <a:pt x="4239221" y="41551"/>
+                  <a:pt x="4043088" y="18288"/>
+                </a:cubicBezTo>
+                <a:cubicBezTo>
+                  <a:pt x="3846955" y="-4975"/>
+                  <a:pt x="3818802" y="34658"/>
+                  <a:pt x="3690336" y="18288"/>
+                </a:cubicBezTo>
+                <a:cubicBezTo>
+                  <a:pt x="3561870" y="1918"/>
+                  <a:pt x="3265491" y="42194"/>
+                  <a:pt x="3120504" y="18288"/>
+                </a:cubicBezTo>
+                <a:cubicBezTo>
+                  <a:pt x="2975517" y="-5618"/>
+                  <a:pt x="2720254" y="36673"/>
+                  <a:pt x="2333595" y="18288"/>
+                </a:cubicBezTo>
+                <a:cubicBezTo>
+                  <a:pt x="1946936" y="-97"/>
+                  <a:pt x="2097241" y="5776"/>
+                  <a:pt x="1872303" y="18288"/>
+                </a:cubicBezTo>
+                <a:cubicBezTo>
+                  <a:pt x="1647365" y="30800"/>
+                  <a:pt x="1282708" y="45380"/>
+                  <a:pt x="976854" y="18288"/>
+                </a:cubicBezTo>
+                <a:cubicBezTo>
+                  <a:pt x="671000" y="-8804"/>
+                  <a:pt x="408401" y="-12775"/>
+                  <a:pt x="0" y="18288"/>
+                </a:cubicBezTo>
+                <a:cubicBezTo>
+                  <a:pt x="-213" y="9468"/>
+                  <a:pt x="187" y="4459"/>
+                  <a:pt x="0" y="0"/>
+                </a:cubicBezTo>
+                <a:close/>
+              </a:path>
+              <a:path w="10853928" h="18288" stroke="0" extrusionOk="0">
+                <a:moveTo>
+                  <a:pt x="0" y="0"/>
+                </a:moveTo>
+                <a:cubicBezTo>
+                  <a:pt x="267322" y="15284"/>
+                  <a:pt x="415388" y="-21048"/>
+                  <a:pt x="569831" y="0"/>
+                </a:cubicBezTo>
+                <a:cubicBezTo>
+                  <a:pt x="724274" y="21048"/>
+                  <a:pt x="769333" y="-2353"/>
+                  <a:pt x="922584" y="0"/>
+                </a:cubicBezTo>
+                <a:cubicBezTo>
+                  <a:pt x="1075835" y="2353"/>
+                  <a:pt x="1399490" y="-145"/>
+                  <a:pt x="1818033" y="0"/>
+                </a:cubicBezTo>
+                <a:cubicBezTo>
+                  <a:pt x="2236576" y="145"/>
+                  <a:pt x="2145330" y="5482"/>
+                  <a:pt x="2387864" y="0"/>
+                </a:cubicBezTo>
+                <a:cubicBezTo>
+                  <a:pt x="2630398" y="-5482"/>
+                  <a:pt x="2793207" y="18487"/>
+                  <a:pt x="2957695" y="0"/>
+                </a:cubicBezTo>
+                <a:cubicBezTo>
+                  <a:pt x="3122183" y="-18487"/>
+                  <a:pt x="3579141" y="19003"/>
+                  <a:pt x="3853144" y="0"/>
+                </a:cubicBezTo>
+                <a:cubicBezTo>
+                  <a:pt x="4127147" y="-19003"/>
+                  <a:pt x="4209857" y="12211"/>
+                  <a:pt x="4314436" y="0"/>
+                </a:cubicBezTo>
+                <a:cubicBezTo>
+                  <a:pt x="4419015" y="-12211"/>
+                  <a:pt x="4762459" y="-17220"/>
+                  <a:pt x="5209885" y="0"/>
+                </a:cubicBezTo>
+                <a:cubicBezTo>
+                  <a:pt x="5657311" y="17220"/>
+                  <a:pt x="5692663" y="-3290"/>
+                  <a:pt x="6105335" y="0"/>
+                </a:cubicBezTo>
+                <a:cubicBezTo>
+                  <a:pt x="6518007" y="3290"/>
+                  <a:pt x="6455516" y="-5124"/>
+                  <a:pt x="6783705" y="0"/>
+                </a:cubicBezTo>
+                <a:cubicBezTo>
+                  <a:pt x="7111894" y="5124"/>
+                  <a:pt x="7441941" y="-17829"/>
+                  <a:pt x="7679154" y="0"/>
+                </a:cubicBezTo>
+                <a:cubicBezTo>
+                  <a:pt x="7916367" y="17829"/>
+                  <a:pt x="8102967" y="-24363"/>
+                  <a:pt x="8248985" y="0"/>
+                </a:cubicBezTo>
+                <a:cubicBezTo>
+                  <a:pt x="8395003" y="24363"/>
+                  <a:pt x="8552393" y="25505"/>
+                  <a:pt x="8818817" y="0"/>
+                </a:cubicBezTo>
+                <a:cubicBezTo>
+                  <a:pt x="9085241" y="-25505"/>
+                  <a:pt x="9411308" y="38000"/>
+                  <a:pt x="9605726" y="0"/>
+                </a:cubicBezTo>
+                <a:cubicBezTo>
+                  <a:pt x="9800144" y="-38000"/>
+                  <a:pt x="10006468" y="-25741"/>
+                  <a:pt x="10175558" y="0"/>
+                </a:cubicBezTo>
+                <a:cubicBezTo>
+                  <a:pt x="10344648" y="25741"/>
+                  <a:pt x="10696282" y="695"/>
+                  <a:pt x="10853928" y="0"/>
+                </a:cubicBezTo>
+                <a:cubicBezTo>
+                  <a:pt x="10853521" y="8690"/>
+                  <a:pt x="10853774" y="14141"/>
+                  <a:pt x="10853928" y="18288"/>
+                </a:cubicBezTo>
+                <a:cubicBezTo>
+                  <a:pt x="10608124" y="24255"/>
+                  <a:pt x="10343415" y="22307"/>
+                  <a:pt x="10067018" y="18288"/>
+                </a:cubicBezTo>
+                <a:cubicBezTo>
+                  <a:pt x="9790621" y="14270"/>
+                  <a:pt x="9843266" y="3564"/>
+                  <a:pt x="9714266" y="18288"/>
+                </a:cubicBezTo>
+                <a:cubicBezTo>
+                  <a:pt x="9585266" y="33012"/>
+                  <a:pt x="9379484" y="1875"/>
+                  <a:pt x="9252974" y="18288"/>
+                </a:cubicBezTo>
+                <a:cubicBezTo>
+                  <a:pt x="9126464" y="34701"/>
+                  <a:pt x="8580678" y="-4904"/>
+                  <a:pt x="8357525" y="18288"/>
+                </a:cubicBezTo>
+                <a:cubicBezTo>
+                  <a:pt x="8134372" y="41480"/>
+                  <a:pt x="7903199" y="26458"/>
+                  <a:pt x="7679154" y="18288"/>
+                </a:cubicBezTo>
+                <a:cubicBezTo>
+                  <a:pt x="7455109" y="10118"/>
+                  <a:pt x="7435944" y="27109"/>
+                  <a:pt x="7217862" y="18288"/>
+                </a:cubicBezTo>
+                <a:cubicBezTo>
+                  <a:pt x="6999780" y="9467"/>
+                  <a:pt x="6680409" y="18985"/>
+                  <a:pt x="6539492" y="18288"/>
+                </a:cubicBezTo>
+                <a:cubicBezTo>
+                  <a:pt x="6398575" y="17592"/>
+                  <a:pt x="6312077" y="33018"/>
+                  <a:pt x="6186739" y="18288"/>
+                </a:cubicBezTo>
+                <a:cubicBezTo>
+                  <a:pt x="6061401" y="3558"/>
+                  <a:pt x="5947033" y="12075"/>
+                  <a:pt x="5833986" y="18288"/>
+                </a:cubicBezTo>
+                <a:cubicBezTo>
+                  <a:pt x="5720939" y="24501"/>
+                  <a:pt x="5482226" y="8586"/>
+                  <a:pt x="5155616" y="18288"/>
+                </a:cubicBezTo>
+                <a:cubicBezTo>
+                  <a:pt x="4829006" y="27991"/>
+                  <a:pt x="4841274" y="29316"/>
+                  <a:pt x="4694324" y="18288"/>
+                </a:cubicBezTo>
+                <a:cubicBezTo>
+                  <a:pt x="4547374" y="7260"/>
+                  <a:pt x="4077675" y="7013"/>
+                  <a:pt x="3907414" y="18288"/>
+                </a:cubicBezTo>
+                <a:cubicBezTo>
+                  <a:pt x="3737153" y="29564"/>
+                  <a:pt x="3538393" y="21630"/>
+                  <a:pt x="3446122" y="18288"/>
+                </a:cubicBezTo>
+                <a:cubicBezTo>
+                  <a:pt x="3353851" y="14946"/>
+                  <a:pt x="2990320" y="-8091"/>
+                  <a:pt x="2659212" y="18288"/>
+                </a:cubicBezTo>
+                <a:cubicBezTo>
+                  <a:pt x="2328104" y="44667"/>
+                  <a:pt x="2427653" y="9607"/>
+                  <a:pt x="2306460" y="18288"/>
+                </a:cubicBezTo>
+                <a:cubicBezTo>
+                  <a:pt x="2185267" y="26969"/>
+                  <a:pt x="1719763" y="3717"/>
+                  <a:pt x="1519550" y="18288"/>
+                </a:cubicBezTo>
+                <a:cubicBezTo>
+                  <a:pt x="1319337" y="32860"/>
+                  <a:pt x="1167371" y="17040"/>
+                  <a:pt x="1058258" y="18288"/>
+                </a:cubicBezTo>
+                <a:cubicBezTo>
+                  <a:pt x="949145" y="19536"/>
+                  <a:pt x="780234" y="31447"/>
+                  <a:pt x="705505" y="18288"/>
+                </a:cubicBezTo>
+                <a:cubicBezTo>
+                  <a:pt x="630776" y="5129"/>
+                  <a:pt x="215796" y="30056"/>
+                  <a:pt x="0" y="18288"/>
+                </a:cubicBezTo>
+                <a:cubicBezTo>
+                  <a:pt x="-53" y="11301"/>
+                  <a:pt x="-649" y="7756"/>
+                  <a:pt x="0" y="0"/>
+                </a:cubicBezTo>
+                <a:close/>
+              </a:path>
+            </a:pathLst>
+          </a:custGeom>
+          <a:solidFill>
+            <a:schemeClr val="accent2"/>
+          </a:solidFill>
+          <a:ln w="41275" cap="rnd">
+            <a:solidFill>
+              <a:schemeClr val="accent2"/>
+            </a:solidFill>
+            <a:round/>
+            <a:extLst>
+              <a:ext uri="{C807C97D-BFC1-408E-A445-0C87EB9F89A2}">
+                <ask:lineSketchStyleProps xmlns:ask="http://schemas.microsoft.com/office/drawing/2018/sketchyshapes" sd="1219033472">
+                  <a:prstGeom prst="rect">
+                    <a:avLst/>
+                  </a:prstGeom>
+                  <ask:type>
+                    <ask:lineSketchFreehand/>
+                  </ask:type>
+                </ask:lineSketchStyleProps>
+              </a:ext>
+            </a:extLst>
+          </a:ln>
+        </p:spPr>
+        <p:style>
+          <a:lnRef idx="2">
+            <a:schemeClr val="accent1">
+              <a:shade val="50000"/>
+            </a:schemeClr>
+          </a:lnRef>
+          <a:fillRef idx="1">
+            <a:schemeClr val="accent1"/>
+          </a:fillRef>
+          <a:effectRef idx="0">
+            <a:schemeClr val="accent1"/>
+          </a:effectRef>
+          <a:fontRef idx="minor">
+            <a:schemeClr val="lt1"/>
+          </a:fontRef>
+        </p:style>
+        <p:txBody>
+          <a:bodyPr rtlCol="0" anchor="ctr"/>
+          <a:lstStyle/>
+          <a:p>
+            <a:pPr algn="ctr"/>
+            <a:endParaRPr lang="en-US"/>
+          </a:p>
+        </p:txBody>
+      </p:sp>
+      <p:sp>
+        <p:nvSpPr>
+          <p:cNvPr id="3" name="Content Placeholder 2">
+            <a:extLst>
+              <a:ext uri="{FF2B5EF4-FFF2-40B4-BE49-F238E27FC236}">
+                <a16:creationId xmlns:a16="http://schemas.microsoft.com/office/drawing/2014/main" id="{12D0823B-55AB-D195-BF06-45CF5F3C91C4}"/>
+              </a:ext>
+            </a:extLst>
+          </p:cNvPr>
+          <p:cNvSpPr>
+            <a:spLocks noGrp="1"/>
+          </p:cNvSpPr>
+          <p:nvPr>
+            <p:ph idx="1"/>
+          </p:nvPr>
+        </p:nvSpPr>
+        <p:spPr>
+          <a:xfrm>
+            <a:off x="838200" y="1929384"/>
+            <a:ext cx="10515600" cy="4251960"/>
+          </a:xfrm>
+        </p:spPr>
+        <p:txBody>
+          <a:bodyPr>
+            <a:normAutofit/>
+          </a:bodyPr>
+          <a:lstStyle/>
+          <a:p>
+            <a:r>
+              <a:rPr lang="en-US" dirty="0"/>
+              <a:t>Clarify plant structure looks correct and pricing mechanisms are reflective</a:t>
+            </a:r>
+          </a:p>
+          <a:p>
+            <a:pPr lvl="1"/>
+            <a:r>
+              <a:rPr lang="en-US" sz="2800" dirty="0"/>
+              <a:t>Single hydrogen/battery storage unit</a:t>
+            </a:r>
+          </a:p>
+          <a:p>
+            <a:pPr lvl="1"/>
+            <a:r>
+              <a:rPr lang="en-US" sz="2800" dirty="0"/>
+              <a:t>No ammonia storage</a:t>
+            </a:r>
+          </a:p>
+          <a:p>
+            <a:pPr lvl="1"/>
+            <a:r>
+              <a:rPr lang="en-US" sz="2800" dirty="0"/>
+              <a:t>Only economies of scale come from EY units which the user will have to input stack sizes</a:t>
+            </a:r>
+          </a:p>
+          <a:p>
+            <a:pPr lvl="1"/>
+            <a:endParaRPr lang="en-US" sz="2200" dirty="0"/>
+          </a:p>
+        </p:txBody>
+      </p:sp>
+      <p:sp>
+        <p:nvSpPr>
+          <p:cNvPr id="4" name="Slide Number Placeholder 3">
+            <a:extLst>
+              <a:ext uri="{FF2B5EF4-FFF2-40B4-BE49-F238E27FC236}">
+                <a16:creationId xmlns:a16="http://schemas.microsoft.com/office/drawing/2014/main" id="{4540DA7A-D76E-C512-28B9-7407358CB2BA}"/>
+              </a:ext>
+            </a:extLst>
+          </p:cNvPr>
+          <p:cNvSpPr>
+            <a:spLocks noGrp="1"/>
+          </p:cNvSpPr>
+          <p:nvPr>
+            <p:ph type="sldNum" sz="quarter" idx="12"/>
+          </p:nvPr>
+        </p:nvSpPr>
+        <p:spPr>
+          <a:xfrm>
+            <a:off x="8610600" y="6356350"/>
+            <a:ext cx="2743200" cy="365125"/>
+          </a:xfrm>
+        </p:spPr>
+        <p:txBody>
+          <a:bodyPr>
+            <a:normAutofit/>
+          </a:bodyPr>
+          <a:lstStyle/>
+          <a:p>
+            <a:pPr>
+              <a:spcAft>
+                <a:spcPts val="600"/>
+              </a:spcAft>
+            </a:pPr>
+            <a:fld id="{EA503B31-CC2D-419F-B325-05543D31F82E}" type="slidenum">
+              <a:rPr lang="en-US" smtClean="0"/>
+              <a:pPr>
+                <a:spcAft>
+                  <a:spcPts val="600"/>
+                </a:spcAft>
+              </a:pPr>
+              <a:t>9</a:t>
+            </a:fld>
+            <a:endParaRPr lang="en-US"/>
+          </a:p>
+        </p:txBody>
+      </p:sp>
+    </p:spTree>
+    <p:extLst>
+      <p:ext uri="{BB962C8B-B14F-4D97-AF65-F5344CB8AC3E}">
+        <p14:creationId xmlns:p14="http://schemas.microsoft.com/office/powerpoint/2010/main" val="1543584967"/>
       </p:ext>
     </p:extLst>
   </p:cSld>
